--- a/project documents/Article Post.pptx
+++ b/project documents/Article Post.pptx
@@ -10,9 +10,29 @@
     <p:sldId id="258" r:id="rId4"/>
     <p:sldId id="259" r:id="rId5"/>
     <p:sldId id="260" r:id="rId6"/>
-    <p:sldId id="261" r:id="rId7"/>
-    <p:sldId id="262" r:id="rId8"/>
-    <p:sldId id="263" r:id="rId9"/>
+    <p:sldId id="278" r:id="rId7"/>
+    <p:sldId id="279" r:id="rId8"/>
+    <p:sldId id="280" r:id="rId9"/>
+    <p:sldId id="281" r:id="rId10"/>
+    <p:sldId id="282" r:id="rId11"/>
+    <p:sldId id="277" r:id="rId12"/>
+    <p:sldId id="266" r:id="rId13"/>
+    <p:sldId id="267" r:id="rId14"/>
+    <p:sldId id="268" r:id="rId15"/>
+    <p:sldId id="269" r:id="rId16"/>
+    <p:sldId id="284" r:id="rId17"/>
+    <p:sldId id="283" r:id="rId18"/>
+    <p:sldId id="271" r:id="rId19"/>
+    <p:sldId id="272" r:id="rId20"/>
+    <p:sldId id="270" r:id="rId21"/>
+    <p:sldId id="273" r:id="rId22"/>
+    <p:sldId id="275" r:id="rId23"/>
+    <p:sldId id="276" r:id="rId24"/>
+    <p:sldId id="274" r:id="rId25"/>
+    <p:sldId id="285" r:id="rId26"/>
+    <p:sldId id="261" r:id="rId27"/>
+    <p:sldId id="262" r:id="rId28"/>
+    <p:sldId id="263" r:id="rId29"/>
   </p:sldIdLst>
   <p:sldSz cx="12192000" cy="6858000"/>
   <p:notesSz cx="6858000" cy="9144000"/>
@@ -345,7 +365,7 @@
           <a:p>
             <a:fld id="{99822C62-8BF7-408F-9762-C91B0F63901C}" type="datetimeFigureOut">
               <a:rPr lang="en-US" smtClean="0"/>
-              <a:t>8/4/2020</a:t>
+              <a:t>8/11/2020</a:t>
             </a:fld>
             <a:endParaRPr lang="en-US"/>
           </a:p>
@@ -553,7 +573,7 @@
           <a:p>
             <a:fld id="{99822C62-8BF7-408F-9762-C91B0F63901C}" type="datetimeFigureOut">
               <a:rPr lang="en-US" smtClean="0"/>
-              <a:t>8/4/2020</a:t>
+              <a:t>8/11/2020</a:t>
             </a:fld>
             <a:endParaRPr lang="en-US"/>
           </a:p>
@@ -809,7 +829,7 @@
           <a:p>
             <a:fld id="{99822C62-8BF7-408F-9762-C91B0F63901C}" type="datetimeFigureOut">
               <a:rPr lang="en-US" smtClean="0"/>
-              <a:t>8/4/2020</a:t>
+              <a:t>8/11/2020</a:t>
             </a:fld>
             <a:endParaRPr lang="en-US"/>
           </a:p>
@@ -983,7 +1003,7 @@
           <a:p>
             <a:fld id="{99822C62-8BF7-408F-9762-C91B0F63901C}" type="datetimeFigureOut">
               <a:rPr lang="en-US" smtClean="0"/>
-              <a:t>8/4/2020</a:t>
+              <a:t>8/11/2020</a:t>
             </a:fld>
             <a:endParaRPr lang="en-US"/>
           </a:p>
@@ -1326,7 +1346,7 @@
           <a:p>
             <a:fld id="{99822C62-8BF7-408F-9762-C91B0F63901C}" type="datetimeFigureOut">
               <a:rPr lang="en-US" smtClean="0"/>
-              <a:t>8/4/2020</a:t>
+              <a:t>8/11/2020</a:t>
             </a:fld>
             <a:endParaRPr lang="en-US"/>
           </a:p>
@@ -1601,7 +1621,7 @@
           <a:p>
             <a:fld id="{99822C62-8BF7-408F-9762-C91B0F63901C}" type="datetimeFigureOut">
               <a:rPr lang="en-US" smtClean="0"/>
-              <a:t>8/4/2020</a:t>
+              <a:t>8/11/2020</a:t>
             </a:fld>
             <a:endParaRPr lang="en-US"/>
           </a:p>
@@ -1980,7 +2000,7 @@
           <a:p>
             <a:fld id="{99822C62-8BF7-408F-9762-C91B0F63901C}" type="datetimeFigureOut">
               <a:rPr lang="en-US" smtClean="0"/>
-              <a:t>8/4/2020</a:t>
+              <a:t>8/11/2020</a:t>
             </a:fld>
             <a:endParaRPr lang="en-US"/>
           </a:p>
@@ -2098,7 +2118,7 @@
           <a:p>
             <a:fld id="{99822C62-8BF7-408F-9762-C91B0F63901C}" type="datetimeFigureOut">
               <a:rPr lang="en-US" smtClean="0"/>
-              <a:t>8/4/2020</a:t>
+              <a:t>8/11/2020</a:t>
             </a:fld>
             <a:endParaRPr lang="en-US"/>
           </a:p>
@@ -2269,7 +2289,7 @@
           <a:p>
             <a:fld id="{99822C62-8BF7-408F-9762-C91B0F63901C}" type="datetimeFigureOut">
               <a:rPr lang="en-US" smtClean="0"/>
-              <a:t>8/4/2020</a:t>
+              <a:t>8/11/2020</a:t>
             </a:fld>
             <a:endParaRPr lang="en-US"/>
           </a:p>
@@ -2623,7 +2643,7 @@
           <a:p>
             <a:fld id="{99822C62-8BF7-408F-9762-C91B0F63901C}" type="datetimeFigureOut">
               <a:rPr lang="en-US" smtClean="0"/>
-              <a:t>8/4/2020</a:t>
+              <a:t>8/11/2020</a:t>
             </a:fld>
             <a:endParaRPr lang="en-US"/>
           </a:p>
@@ -3005,7 +3025,7 @@
           <a:p>
             <a:fld id="{99822C62-8BF7-408F-9762-C91B0F63901C}" type="datetimeFigureOut">
               <a:rPr lang="en-US" smtClean="0"/>
-              <a:t>8/4/2020</a:t>
+              <a:t>8/11/2020</a:t>
             </a:fld>
             <a:endParaRPr lang="en-US"/>
           </a:p>
@@ -3292,7 +3312,7 @@
           <a:p>
             <a:fld id="{99822C62-8BF7-408F-9762-C91B0F63901C}" type="datetimeFigureOut">
               <a:rPr lang="en-US" smtClean="0"/>
-              <a:t>8/4/2020</a:t>
+              <a:t>8/11/2020</a:t>
             </a:fld>
             <a:endParaRPr lang="en-US"/>
           </a:p>
@@ -4002,6 +4022,1534 @@
 </p:sld>
 </file>
 
+<file path=ppt/slides/slide10.xml><?xml version="1.0" encoding="utf-8"?>
+<p:sld xmlns:a="http://schemas.openxmlformats.org/drawingml/2006/main" xmlns:r="http://schemas.openxmlformats.org/officeDocument/2006/relationships" xmlns:p="http://schemas.openxmlformats.org/presentationml/2006/main">
+  <p:cSld>
+    <p:spTree>
+      <p:nvGrpSpPr>
+        <p:cNvPr id="1" name=""/>
+        <p:cNvGrpSpPr/>
+        <p:nvPr/>
+      </p:nvGrpSpPr>
+      <p:grpSpPr>
+        <a:xfrm>
+          <a:off x="0" y="0"/>
+          <a:ext cx="0" cy="0"/>
+          <a:chOff x="0" y="0"/>
+          <a:chExt cx="0" cy="0"/>
+        </a:xfrm>
+      </p:grpSpPr>
+      <p:sp>
+        <p:nvSpPr>
+          <p:cNvPr id="2" name="Title 1"/>
+          <p:cNvSpPr>
+            <a:spLocks noGrp="1"/>
+          </p:cNvSpPr>
+          <p:nvPr>
+            <p:ph type="title"/>
+          </p:nvPr>
+        </p:nvSpPr>
+        <p:spPr/>
+        <p:txBody>
+          <a:bodyPr/>
+          <a:lstStyle/>
+          <a:p>
+            <a:pPr marL="1028700" indent="-1028700">
+              <a:buFont typeface="+mj-lt"/>
+              <a:buAutoNum type="romanUcPeriod" startAt="3"/>
+            </a:pPr>
+            <a:r>
+              <a:rPr lang="en-US" b="1" dirty="0" smtClean="0">
+                <a:latin typeface="Times New Roman" panose="02020603050405020304" pitchFamily="18" charset="0"/>
+                <a:cs typeface="Times New Roman" panose="02020603050405020304" pitchFamily="18" charset="0"/>
+              </a:rPr>
+              <a:t>Project Features</a:t>
+            </a:r>
+            <a:endParaRPr lang="en-US" b="1" dirty="0">
+              <a:latin typeface="Times New Roman" panose="02020603050405020304" pitchFamily="18" charset="0"/>
+              <a:cs typeface="Times New Roman" panose="02020603050405020304" pitchFamily="18" charset="0"/>
+            </a:endParaRPr>
+          </a:p>
+        </p:txBody>
+      </p:sp>
+      <p:sp>
+        <p:nvSpPr>
+          <p:cNvPr id="3" name="Content Placeholder 2"/>
+          <p:cNvSpPr>
+            <a:spLocks noGrp="1"/>
+          </p:cNvSpPr>
+          <p:nvPr>
+            <p:ph idx="1"/>
+          </p:nvPr>
+        </p:nvSpPr>
+        <p:spPr>
+          <a:xfrm>
+            <a:off x="0" y="1858613"/>
+            <a:ext cx="10058400" cy="4023360"/>
+          </a:xfrm>
+        </p:spPr>
+        <p:txBody>
+          <a:bodyPr>
+            <a:normAutofit/>
+          </a:bodyPr>
+          <a:lstStyle/>
+          <a:p>
+            <a:pPr lvl="1">
+              <a:buClrTx/>
+              <a:buFont typeface="Wingdings" panose="05000000000000000000" pitchFamily="2" charset="2"/>
+              <a:buChar char="§"/>
+            </a:pPr>
+            <a:r>
+              <a:rPr lang="en-US" sz="2000" b="1" dirty="0" smtClean="0">
+                <a:latin typeface="Times New Roman" panose="02020603050405020304" pitchFamily="18" charset="0"/>
+                <a:cs typeface="Times New Roman" panose="02020603050405020304" pitchFamily="18" charset="0"/>
+              </a:rPr>
+              <a:t>Article List</a:t>
+            </a:r>
+            <a:endParaRPr lang="en-US" sz="2000" b="1" dirty="0">
+              <a:latin typeface="Times New Roman" panose="02020603050405020304" pitchFamily="18" charset="0"/>
+              <a:cs typeface="Times New Roman" panose="02020603050405020304" pitchFamily="18" charset="0"/>
+            </a:endParaRPr>
+          </a:p>
+          <a:p>
+            <a:pPr lvl="3">
+              <a:buClrTx/>
+              <a:buFont typeface="Courier New" panose="02070309020205020404" pitchFamily="49" charset="0"/>
+              <a:buChar char="o"/>
+            </a:pPr>
+            <a:r>
+              <a:rPr lang="en-US" sz="1800" dirty="0" smtClean="0">
+                <a:latin typeface="Times New Roman" panose="02020603050405020304" pitchFamily="18" charset="0"/>
+                <a:cs typeface="Times New Roman" panose="02020603050405020304" pitchFamily="18" charset="0"/>
+              </a:rPr>
+              <a:t>Article Detail</a:t>
+            </a:r>
+          </a:p>
+        </p:txBody>
+      </p:sp>
+      <p:pic>
+        <p:nvPicPr>
+          <p:cNvPr id="4" name="Picture 3"/>
+          <p:cNvPicPr>
+            <a:picLocks noChangeAspect="1"/>
+          </p:cNvPicPr>
+          <p:nvPr/>
+        </p:nvPicPr>
+        <p:blipFill>
+          <a:blip r:embed="rId2"/>
+          <a:stretch>
+            <a:fillRect/>
+          </a:stretch>
+        </p:blipFill>
+        <p:spPr>
+          <a:xfrm>
+            <a:off x="2916762" y="1737360"/>
+            <a:ext cx="9275238" cy="4581509"/>
+          </a:xfrm>
+          <a:prstGeom prst="rect">
+            <a:avLst/>
+          </a:prstGeom>
+          <a:ln>
+            <a:solidFill>
+              <a:srgbClr val="FF0000"/>
+            </a:solidFill>
+          </a:ln>
+        </p:spPr>
+      </p:pic>
+    </p:spTree>
+    <p:extLst>
+      <p:ext uri="{BB962C8B-B14F-4D97-AF65-F5344CB8AC3E}">
+        <p14:creationId xmlns:p14="http://schemas.microsoft.com/office/powerpoint/2010/main" val="3195447836"/>
+      </p:ext>
+    </p:extLst>
+  </p:cSld>
+  <p:clrMapOvr>
+    <a:masterClrMapping/>
+  </p:clrMapOvr>
+  <p:timing>
+    <p:tnLst>
+      <p:par>
+        <p:cTn id="1" dur="indefinite" restart="never" nodeType="tmRoot"/>
+      </p:par>
+    </p:tnLst>
+  </p:timing>
+</p:sld>
+</file>
+
+<file path=ppt/slides/slide11.xml><?xml version="1.0" encoding="utf-8"?>
+<p:sld xmlns:a="http://schemas.openxmlformats.org/drawingml/2006/main" xmlns:r="http://schemas.openxmlformats.org/officeDocument/2006/relationships" xmlns:p="http://schemas.openxmlformats.org/presentationml/2006/main">
+  <p:cSld>
+    <p:spTree>
+      <p:nvGrpSpPr>
+        <p:cNvPr id="1" name=""/>
+        <p:cNvGrpSpPr/>
+        <p:nvPr/>
+      </p:nvGrpSpPr>
+      <p:grpSpPr>
+        <a:xfrm>
+          <a:off x="0" y="0"/>
+          <a:ext cx="0" cy="0"/>
+          <a:chOff x="0" y="0"/>
+          <a:chExt cx="0" cy="0"/>
+        </a:xfrm>
+      </p:grpSpPr>
+      <p:sp>
+        <p:nvSpPr>
+          <p:cNvPr id="2" name="Title 1"/>
+          <p:cNvSpPr>
+            <a:spLocks noGrp="1"/>
+          </p:cNvSpPr>
+          <p:nvPr>
+            <p:ph type="title"/>
+          </p:nvPr>
+        </p:nvSpPr>
+        <p:spPr/>
+        <p:txBody>
+          <a:bodyPr/>
+          <a:lstStyle/>
+          <a:p>
+            <a:pPr marL="1028700" indent="-1028700">
+              <a:buFont typeface="+mj-lt"/>
+              <a:buAutoNum type="romanUcPeriod" startAt="3"/>
+            </a:pPr>
+            <a:r>
+              <a:rPr lang="en-US" b="1" dirty="0" smtClean="0">
+                <a:latin typeface="Times New Roman" panose="02020603050405020304" pitchFamily="18" charset="0"/>
+                <a:cs typeface="Times New Roman" panose="02020603050405020304" pitchFamily="18" charset="0"/>
+              </a:rPr>
+              <a:t>Project Features</a:t>
+            </a:r>
+            <a:endParaRPr lang="en-US" b="1" dirty="0">
+              <a:latin typeface="Times New Roman" panose="02020603050405020304" pitchFamily="18" charset="0"/>
+              <a:cs typeface="Times New Roman" panose="02020603050405020304" pitchFamily="18" charset="0"/>
+            </a:endParaRPr>
+          </a:p>
+        </p:txBody>
+      </p:sp>
+      <p:sp>
+        <p:nvSpPr>
+          <p:cNvPr id="3" name="Content Placeholder 2"/>
+          <p:cNvSpPr>
+            <a:spLocks noGrp="1"/>
+          </p:cNvSpPr>
+          <p:nvPr>
+            <p:ph idx="1"/>
+          </p:nvPr>
+        </p:nvSpPr>
+        <p:spPr>
+          <a:xfrm>
+            <a:off x="0" y="1858613"/>
+            <a:ext cx="10058400" cy="4023360"/>
+          </a:xfrm>
+        </p:spPr>
+        <p:txBody>
+          <a:bodyPr>
+            <a:normAutofit/>
+          </a:bodyPr>
+          <a:lstStyle/>
+          <a:p>
+            <a:pPr lvl="1">
+              <a:buClrTx/>
+              <a:buFont typeface="Wingdings" panose="05000000000000000000" pitchFamily="2" charset="2"/>
+              <a:buChar char="§"/>
+            </a:pPr>
+            <a:r>
+              <a:rPr lang="en-US" sz="2000" b="1" dirty="0">
+                <a:latin typeface="Times New Roman" panose="02020603050405020304" pitchFamily="18" charset="0"/>
+                <a:cs typeface="Times New Roman" panose="02020603050405020304" pitchFamily="18" charset="0"/>
+              </a:rPr>
+              <a:t>Article Management</a:t>
+            </a:r>
+          </a:p>
+          <a:p>
+            <a:pPr lvl="3">
+              <a:buClrTx/>
+              <a:buFont typeface="Courier New" panose="02070309020205020404" pitchFamily="49" charset="0"/>
+              <a:buChar char="o"/>
+            </a:pPr>
+            <a:r>
+              <a:rPr lang="en-US" sz="1800" dirty="0" smtClean="0">
+                <a:latin typeface="Times New Roman" panose="02020603050405020304" pitchFamily="18" charset="0"/>
+                <a:cs typeface="Times New Roman" panose="02020603050405020304" pitchFamily="18" charset="0"/>
+              </a:rPr>
+              <a:t>Article table list</a:t>
+            </a:r>
+            <a:endParaRPr lang="en-US" sz="1800" dirty="0" smtClean="0">
+              <a:latin typeface="Times New Roman" panose="02020603050405020304" pitchFamily="18" charset="0"/>
+              <a:cs typeface="Times New Roman" panose="02020603050405020304" pitchFamily="18" charset="0"/>
+            </a:endParaRPr>
+          </a:p>
+        </p:txBody>
+      </p:sp>
+      <p:pic>
+        <p:nvPicPr>
+          <p:cNvPr id="4" name="Picture 3"/>
+          <p:cNvPicPr>
+            <a:picLocks noChangeAspect="1"/>
+          </p:cNvPicPr>
+          <p:nvPr/>
+        </p:nvPicPr>
+        <p:blipFill>
+          <a:blip r:embed="rId2"/>
+          <a:stretch>
+            <a:fillRect/>
+          </a:stretch>
+        </p:blipFill>
+        <p:spPr>
+          <a:xfrm>
+            <a:off x="2945404" y="1764254"/>
+            <a:ext cx="9233150" cy="4555863"/>
+          </a:xfrm>
+          <a:prstGeom prst="rect">
+            <a:avLst/>
+          </a:prstGeom>
+          <a:ln>
+            <a:solidFill>
+              <a:srgbClr val="FF0000"/>
+            </a:solidFill>
+          </a:ln>
+        </p:spPr>
+      </p:pic>
+    </p:spTree>
+    <p:extLst>
+      <p:ext uri="{BB962C8B-B14F-4D97-AF65-F5344CB8AC3E}">
+        <p14:creationId xmlns:p14="http://schemas.microsoft.com/office/powerpoint/2010/main" val="2511313189"/>
+      </p:ext>
+    </p:extLst>
+  </p:cSld>
+  <p:clrMapOvr>
+    <a:masterClrMapping/>
+  </p:clrMapOvr>
+  <p:timing>
+    <p:tnLst>
+      <p:par>
+        <p:cTn id="1" dur="indefinite" restart="never" nodeType="tmRoot"/>
+      </p:par>
+    </p:tnLst>
+  </p:timing>
+</p:sld>
+</file>
+
+<file path=ppt/slides/slide12.xml><?xml version="1.0" encoding="utf-8"?>
+<p:sld xmlns:a="http://schemas.openxmlformats.org/drawingml/2006/main" xmlns:r="http://schemas.openxmlformats.org/officeDocument/2006/relationships" xmlns:p="http://schemas.openxmlformats.org/presentationml/2006/main">
+  <p:cSld>
+    <p:spTree>
+      <p:nvGrpSpPr>
+        <p:cNvPr id="1" name=""/>
+        <p:cNvGrpSpPr/>
+        <p:nvPr/>
+      </p:nvGrpSpPr>
+      <p:grpSpPr>
+        <a:xfrm>
+          <a:off x="0" y="0"/>
+          <a:ext cx="0" cy="0"/>
+          <a:chOff x="0" y="0"/>
+          <a:chExt cx="0" cy="0"/>
+        </a:xfrm>
+      </p:grpSpPr>
+      <p:sp>
+        <p:nvSpPr>
+          <p:cNvPr id="2" name="Title 1"/>
+          <p:cNvSpPr>
+            <a:spLocks noGrp="1"/>
+          </p:cNvSpPr>
+          <p:nvPr>
+            <p:ph type="title"/>
+          </p:nvPr>
+        </p:nvSpPr>
+        <p:spPr/>
+        <p:txBody>
+          <a:bodyPr/>
+          <a:lstStyle/>
+          <a:p>
+            <a:pPr marL="1028700" indent="-1028700">
+              <a:buFont typeface="+mj-lt"/>
+              <a:buAutoNum type="romanUcPeriod" startAt="3"/>
+            </a:pPr>
+            <a:r>
+              <a:rPr lang="en-US" b="1" dirty="0" smtClean="0">
+                <a:latin typeface="Times New Roman" panose="02020603050405020304" pitchFamily="18" charset="0"/>
+                <a:cs typeface="Times New Roman" panose="02020603050405020304" pitchFamily="18" charset="0"/>
+              </a:rPr>
+              <a:t>Project Features</a:t>
+            </a:r>
+            <a:endParaRPr lang="en-US" b="1" dirty="0">
+              <a:latin typeface="Times New Roman" panose="02020603050405020304" pitchFamily="18" charset="0"/>
+              <a:cs typeface="Times New Roman" panose="02020603050405020304" pitchFamily="18" charset="0"/>
+            </a:endParaRPr>
+          </a:p>
+        </p:txBody>
+      </p:sp>
+      <p:sp>
+        <p:nvSpPr>
+          <p:cNvPr id="3" name="Content Placeholder 2"/>
+          <p:cNvSpPr>
+            <a:spLocks noGrp="1"/>
+          </p:cNvSpPr>
+          <p:nvPr>
+            <p:ph idx="1"/>
+          </p:nvPr>
+        </p:nvSpPr>
+        <p:spPr>
+          <a:xfrm>
+            <a:off x="0" y="1858613"/>
+            <a:ext cx="10058400" cy="4023360"/>
+          </a:xfrm>
+        </p:spPr>
+        <p:txBody>
+          <a:bodyPr>
+            <a:normAutofit/>
+          </a:bodyPr>
+          <a:lstStyle/>
+          <a:p>
+            <a:pPr lvl="1">
+              <a:buClrTx/>
+              <a:buFont typeface="Wingdings" panose="05000000000000000000" pitchFamily="2" charset="2"/>
+              <a:buChar char="§"/>
+            </a:pPr>
+            <a:r>
+              <a:rPr lang="en-US" sz="2000" b="1" dirty="0">
+                <a:latin typeface="Times New Roman" panose="02020603050405020304" pitchFamily="18" charset="0"/>
+                <a:cs typeface="Times New Roman" panose="02020603050405020304" pitchFamily="18" charset="0"/>
+              </a:rPr>
+              <a:t>Article Management</a:t>
+            </a:r>
+          </a:p>
+          <a:p>
+            <a:pPr lvl="3">
+              <a:buClrTx/>
+              <a:buFont typeface="Courier New" panose="02070309020205020404" pitchFamily="49" charset="0"/>
+              <a:buChar char="o"/>
+            </a:pPr>
+            <a:r>
+              <a:rPr lang="en-US" sz="1800" dirty="0" smtClean="0">
+                <a:latin typeface="Times New Roman" panose="02020603050405020304" pitchFamily="18" charset="0"/>
+                <a:cs typeface="Times New Roman" panose="02020603050405020304" pitchFamily="18" charset="0"/>
+              </a:rPr>
+              <a:t>Add Article</a:t>
+            </a:r>
+            <a:endParaRPr lang="en-US" sz="1800" dirty="0" smtClean="0">
+              <a:latin typeface="Times New Roman" panose="02020603050405020304" pitchFamily="18" charset="0"/>
+              <a:cs typeface="Times New Roman" panose="02020603050405020304" pitchFamily="18" charset="0"/>
+            </a:endParaRPr>
+          </a:p>
+        </p:txBody>
+      </p:sp>
+      <p:pic>
+        <p:nvPicPr>
+          <p:cNvPr id="5" name="Picture 4"/>
+          <p:cNvPicPr>
+            <a:picLocks noChangeAspect="1"/>
+          </p:cNvPicPr>
+          <p:nvPr/>
+        </p:nvPicPr>
+        <p:blipFill>
+          <a:blip r:embed="rId2"/>
+          <a:stretch>
+            <a:fillRect/>
+          </a:stretch>
+        </p:blipFill>
+        <p:spPr>
+          <a:xfrm>
+            <a:off x="2873188" y="1737360"/>
+            <a:ext cx="9305365" cy="4596450"/>
+          </a:xfrm>
+          <a:prstGeom prst="rect">
+            <a:avLst/>
+          </a:prstGeom>
+          <a:ln>
+            <a:solidFill>
+              <a:srgbClr val="FF0000"/>
+            </a:solidFill>
+          </a:ln>
+        </p:spPr>
+      </p:pic>
+    </p:spTree>
+    <p:extLst>
+      <p:ext uri="{BB962C8B-B14F-4D97-AF65-F5344CB8AC3E}">
+        <p14:creationId xmlns:p14="http://schemas.microsoft.com/office/powerpoint/2010/main" val="3331106913"/>
+      </p:ext>
+    </p:extLst>
+  </p:cSld>
+  <p:clrMapOvr>
+    <a:masterClrMapping/>
+  </p:clrMapOvr>
+  <p:timing>
+    <p:tnLst>
+      <p:par>
+        <p:cTn id="1" dur="indefinite" restart="never" nodeType="tmRoot"/>
+      </p:par>
+    </p:tnLst>
+  </p:timing>
+</p:sld>
+</file>
+
+<file path=ppt/slides/slide13.xml><?xml version="1.0" encoding="utf-8"?>
+<p:sld xmlns:a="http://schemas.openxmlformats.org/drawingml/2006/main" xmlns:r="http://schemas.openxmlformats.org/officeDocument/2006/relationships" xmlns:p="http://schemas.openxmlformats.org/presentationml/2006/main">
+  <p:cSld>
+    <p:spTree>
+      <p:nvGrpSpPr>
+        <p:cNvPr id="1" name=""/>
+        <p:cNvGrpSpPr/>
+        <p:nvPr/>
+      </p:nvGrpSpPr>
+      <p:grpSpPr>
+        <a:xfrm>
+          <a:off x="0" y="0"/>
+          <a:ext cx="0" cy="0"/>
+          <a:chOff x="0" y="0"/>
+          <a:chExt cx="0" cy="0"/>
+        </a:xfrm>
+      </p:grpSpPr>
+      <p:sp>
+        <p:nvSpPr>
+          <p:cNvPr id="2" name="Title 1"/>
+          <p:cNvSpPr>
+            <a:spLocks noGrp="1"/>
+          </p:cNvSpPr>
+          <p:nvPr>
+            <p:ph type="title"/>
+          </p:nvPr>
+        </p:nvSpPr>
+        <p:spPr/>
+        <p:txBody>
+          <a:bodyPr/>
+          <a:lstStyle/>
+          <a:p>
+            <a:pPr marL="1028700" indent="-1028700">
+              <a:buFont typeface="+mj-lt"/>
+              <a:buAutoNum type="romanUcPeriod" startAt="3"/>
+            </a:pPr>
+            <a:r>
+              <a:rPr lang="en-US" b="1" dirty="0" smtClean="0">
+                <a:latin typeface="Times New Roman" panose="02020603050405020304" pitchFamily="18" charset="0"/>
+                <a:cs typeface="Times New Roman" panose="02020603050405020304" pitchFamily="18" charset="0"/>
+              </a:rPr>
+              <a:t>Project Features</a:t>
+            </a:r>
+            <a:endParaRPr lang="en-US" b="1" dirty="0">
+              <a:latin typeface="Times New Roman" panose="02020603050405020304" pitchFamily="18" charset="0"/>
+              <a:cs typeface="Times New Roman" panose="02020603050405020304" pitchFamily="18" charset="0"/>
+            </a:endParaRPr>
+          </a:p>
+        </p:txBody>
+      </p:sp>
+      <p:sp>
+        <p:nvSpPr>
+          <p:cNvPr id="3" name="Content Placeholder 2"/>
+          <p:cNvSpPr>
+            <a:spLocks noGrp="1"/>
+          </p:cNvSpPr>
+          <p:nvPr>
+            <p:ph idx="1"/>
+          </p:nvPr>
+        </p:nvSpPr>
+        <p:spPr>
+          <a:xfrm>
+            <a:off x="0" y="1858613"/>
+            <a:ext cx="10058400" cy="4023360"/>
+          </a:xfrm>
+        </p:spPr>
+        <p:txBody>
+          <a:bodyPr>
+            <a:normAutofit/>
+          </a:bodyPr>
+          <a:lstStyle/>
+          <a:p>
+            <a:pPr lvl="1">
+              <a:buClrTx/>
+              <a:buFont typeface="Wingdings" panose="05000000000000000000" pitchFamily="2" charset="2"/>
+              <a:buChar char="§"/>
+            </a:pPr>
+            <a:r>
+              <a:rPr lang="en-US" sz="2000" b="1" dirty="0">
+                <a:latin typeface="Times New Roman" panose="02020603050405020304" pitchFamily="18" charset="0"/>
+                <a:cs typeface="Times New Roman" panose="02020603050405020304" pitchFamily="18" charset="0"/>
+              </a:rPr>
+              <a:t>Article Management</a:t>
+            </a:r>
+          </a:p>
+          <a:p>
+            <a:pPr lvl="3">
+              <a:buClrTx/>
+              <a:buFont typeface="Courier New" panose="02070309020205020404" pitchFamily="49" charset="0"/>
+              <a:buChar char="o"/>
+            </a:pPr>
+            <a:r>
+              <a:rPr lang="en-US" sz="1800" dirty="0" smtClean="0">
+                <a:latin typeface="Times New Roman" panose="02020603050405020304" pitchFamily="18" charset="0"/>
+                <a:cs typeface="Times New Roman" panose="02020603050405020304" pitchFamily="18" charset="0"/>
+              </a:rPr>
+              <a:t>Edit Article</a:t>
+            </a:r>
+            <a:endParaRPr lang="en-US" sz="1800" dirty="0" smtClean="0">
+              <a:latin typeface="Times New Roman" panose="02020603050405020304" pitchFamily="18" charset="0"/>
+              <a:cs typeface="Times New Roman" panose="02020603050405020304" pitchFamily="18" charset="0"/>
+            </a:endParaRPr>
+          </a:p>
+        </p:txBody>
+      </p:sp>
+      <p:pic>
+        <p:nvPicPr>
+          <p:cNvPr id="4" name="Picture 3"/>
+          <p:cNvPicPr>
+            <a:picLocks noChangeAspect="1"/>
+          </p:cNvPicPr>
+          <p:nvPr/>
+        </p:nvPicPr>
+        <p:blipFill>
+          <a:blip r:embed="rId2"/>
+          <a:stretch>
+            <a:fillRect/>
+          </a:stretch>
+        </p:blipFill>
+        <p:spPr>
+          <a:xfrm>
+            <a:off x="2790266" y="1737360"/>
+            <a:ext cx="9388287" cy="4627613"/>
+          </a:xfrm>
+          <a:prstGeom prst="rect">
+            <a:avLst/>
+          </a:prstGeom>
+          <a:ln>
+            <a:solidFill>
+              <a:srgbClr val="FF0000"/>
+            </a:solidFill>
+          </a:ln>
+        </p:spPr>
+      </p:pic>
+    </p:spTree>
+    <p:extLst>
+      <p:ext uri="{BB962C8B-B14F-4D97-AF65-F5344CB8AC3E}">
+        <p14:creationId xmlns:p14="http://schemas.microsoft.com/office/powerpoint/2010/main" val="2710858218"/>
+      </p:ext>
+    </p:extLst>
+  </p:cSld>
+  <p:clrMapOvr>
+    <a:masterClrMapping/>
+  </p:clrMapOvr>
+  <p:timing>
+    <p:tnLst>
+      <p:par>
+        <p:cTn id="1" dur="indefinite" restart="never" nodeType="tmRoot"/>
+      </p:par>
+    </p:tnLst>
+  </p:timing>
+</p:sld>
+</file>
+
+<file path=ppt/slides/slide14.xml><?xml version="1.0" encoding="utf-8"?>
+<p:sld xmlns:a="http://schemas.openxmlformats.org/drawingml/2006/main" xmlns:r="http://schemas.openxmlformats.org/officeDocument/2006/relationships" xmlns:p="http://schemas.openxmlformats.org/presentationml/2006/main">
+  <p:cSld>
+    <p:spTree>
+      <p:nvGrpSpPr>
+        <p:cNvPr id="1" name=""/>
+        <p:cNvGrpSpPr/>
+        <p:nvPr/>
+      </p:nvGrpSpPr>
+      <p:grpSpPr>
+        <a:xfrm>
+          <a:off x="0" y="0"/>
+          <a:ext cx="0" cy="0"/>
+          <a:chOff x="0" y="0"/>
+          <a:chExt cx="0" cy="0"/>
+        </a:xfrm>
+      </p:grpSpPr>
+      <p:sp>
+        <p:nvSpPr>
+          <p:cNvPr id="2" name="Title 1"/>
+          <p:cNvSpPr>
+            <a:spLocks noGrp="1"/>
+          </p:cNvSpPr>
+          <p:nvPr>
+            <p:ph type="title"/>
+          </p:nvPr>
+        </p:nvSpPr>
+        <p:spPr/>
+        <p:txBody>
+          <a:bodyPr/>
+          <a:lstStyle/>
+          <a:p>
+            <a:pPr marL="1028700" indent="-1028700">
+              <a:buFont typeface="+mj-lt"/>
+              <a:buAutoNum type="romanUcPeriod" startAt="3"/>
+            </a:pPr>
+            <a:r>
+              <a:rPr lang="en-US" b="1" dirty="0" smtClean="0">
+                <a:latin typeface="Times New Roman" panose="02020603050405020304" pitchFamily="18" charset="0"/>
+                <a:cs typeface="Times New Roman" panose="02020603050405020304" pitchFamily="18" charset="0"/>
+              </a:rPr>
+              <a:t>Project Features</a:t>
+            </a:r>
+            <a:endParaRPr lang="en-US" b="1" dirty="0">
+              <a:latin typeface="Times New Roman" panose="02020603050405020304" pitchFamily="18" charset="0"/>
+              <a:cs typeface="Times New Roman" panose="02020603050405020304" pitchFamily="18" charset="0"/>
+            </a:endParaRPr>
+          </a:p>
+        </p:txBody>
+      </p:sp>
+      <p:sp>
+        <p:nvSpPr>
+          <p:cNvPr id="3" name="Content Placeholder 2"/>
+          <p:cNvSpPr>
+            <a:spLocks noGrp="1"/>
+          </p:cNvSpPr>
+          <p:nvPr>
+            <p:ph idx="1"/>
+          </p:nvPr>
+        </p:nvSpPr>
+        <p:spPr>
+          <a:xfrm>
+            <a:off x="0" y="1858613"/>
+            <a:ext cx="10058400" cy="4023360"/>
+          </a:xfrm>
+        </p:spPr>
+        <p:txBody>
+          <a:bodyPr>
+            <a:normAutofit/>
+          </a:bodyPr>
+          <a:lstStyle/>
+          <a:p>
+            <a:pPr lvl="1">
+              <a:buClrTx/>
+              <a:buFont typeface="Wingdings" panose="05000000000000000000" pitchFamily="2" charset="2"/>
+              <a:buChar char="§"/>
+            </a:pPr>
+            <a:r>
+              <a:rPr lang="en-US" sz="2000" b="1" dirty="0">
+                <a:latin typeface="Times New Roman" panose="02020603050405020304" pitchFamily="18" charset="0"/>
+                <a:cs typeface="Times New Roman" panose="02020603050405020304" pitchFamily="18" charset="0"/>
+              </a:rPr>
+              <a:t>Article Management</a:t>
+            </a:r>
+          </a:p>
+          <a:p>
+            <a:pPr lvl="3">
+              <a:buClrTx/>
+              <a:buFont typeface="Courier New" panose="02070309020205020404" pitchFamily="49" charset="0"/>
+              <a:buChar char="o"/>
+            </a:pPr>
+            <a:r>
+              <a:rPr lang="en-US" sz="1800" dirty="0" smtClean="0">
+                <a:latin typeface="Times New Roman" panose="02020603050405020304" pitchFamily="18" charset="0"/>
+                <a:cs typeface="Times New Roman" panose="02020603050405020304" pitchFamily="18" charset="0"/>
+              </a:rPr>
+              <a:t>Delete Article</a:t>
+            </a:r>
+            <a:endParaRPr lang="en-US" sz="1800" dirty="0" smtClean="0">
+              <a:latin typeface="Times New Roman" panose="02020603050405020304" pitchFamily="18" charset="0"/>
+              <a:cs typeface="Times New Roman" panose="02020603050405020304" pitchFamily="18" charset="0"/>
+            </a:endParaRPr>
+          </a:p>
+        </p:txBody>
+      </p:sp>
+      <p:pic>
+        <p:nvPicPr>
+          <p:cNvPr id="5" name="Picture 4"/>
+          <p:cNvPicPr>
+            <a:picLocks noChangeAspect="1"/>
+          </p:cNvPicPr>
+          <p:nvPr/>
+        </p:nvPicPr>
+        <p:blipFill>
+          <a:blip r:embed="rId2"/>
+          <a:stretch>
+            <a:fillRect/>
+          </a:stretch>
+        </p:blipFill>
+        <p:spPr>
+          <a:xfrm>
+            <a:off x="2792506" y="1737360"/>
+            <a:ext cx="9390530" cy="4628648"/>
+          </a:xfrm>
+          <a:prstGeom prst="rect">
+            <a:avLst/>
+          </a:prstGeom>
+          <a:ln>
+            <a:solidFill>
+              <a:srgbClr val="FF0000"/>
+            </a:solidFill>
+          </a:ln>
+        </p:spPr>
+      </p:pic>
+    </p:spTree>
+    <p:extLst>
+      <p:ext uri="{BB962C8B-B14F-4D97-AF65-F5344CB8AC3E}">
+        <p14:creationId xmlns:p14="http://schemas.microsoft.com/office/powerpoint/2010/main" val="704912318"/>
+      </p:ext>
+    </p:extLst>
+  </p:cSld>
+  <p:clrMapOvr>
+    <a:masterClrMapping/>
+  </p:clrMapOvr>
+  <p:timing>
+    <p:tnLst>
+      <p:par>
+        <p:cTn id="1" dur="indefinite" restart="never" nodeType="tmRoot"/>
+      </p:par>
+    </p:tnLst>
+  </p:timing>
+</p:sld>
+</file>
+
+<file path=ppt/slides/slide15.xml><?xml version="1.0" encoding="utf-8"?>
+<p:sld xmlns:a="http://schemas.openxmlformats.org/drawingml/2006/main" xmlns:r="http://schemas.openxmlformats.org/officeDocument/2006/relationships" xmlns:p="http://schemas.openxmlformats.org/presentationml/2006/main">
+  <p:cSld>
+    <p:spTree>
+      <p:nvGrpSpPr>
+        <p:cNvPr id="1" name=""/>
+        <p:cNvGrpSpPr/>
+        <p:nvPr/>
+      </p:nvGrpSpPr>
+      <p:grpSpPr>
+        <a:xfrm>
+          <a:off x="0" y="0"/>
+          <a:ext cx="0" cy="0"/>
+          <a:chOff x="0" y="0"/>
+          <a:chExt cx="0" cy="0"/>
+        </a:xfrm>
+      </p:grpSpPr>
+      <p:sp>
+        <p:nvSpPr>
+          <p:cNvPr id="2" name="Title 1"/>
+          <p:cNvSpPr>
+            <a:spLocks noGrp="1"/>
+          </p:cNvSpPr>
+          <p:nvPr>
+            <p:ph type="title"/>
+          </p:nvPr>
+        </p:nvSpPr>
+        <p:spPr/>
+        <p:txBody>
+          <a:bodyPr/>
+          <a:lstStyle/>
+          <a:p>
+            <a:pPr marL="1028700" indent="-1028700">
+              <a:buFont typeface="+mj-lt"/>
+              <a:buAutoNum type="romanUcPeriod" startAt="3"/>
+            </a:pPr>
+            <a:r>
+              <a:rPr lang="en-US" b="1" dirty="0" smtClean="0">
+                <a:latin typeface="Times New Roman" panose="02020603050405020304" pitchFamily="18" charset="0"/>
+                <a:cs typeface="Times New Roman" panose="02020603050405020304" pitchFamily="18" charset="0"/>
+              </a:rPr>
+              <a:t>Project Features</a:t>
+            </a:r>
+            <a:endParaRPr lang="en-US" b="1" dirty="0">
+              <a:latin typeface="Times New Roman" panose="02020603050405020304" pitchFamily="18" charset="0"/>
+              <a:cs typeface="Times New Roman" panose="02020603050405020304" pitchFamily="18" charset="0"/>
+            </a:endParaRPr>
+          </a:p>
+        </p:txBody>
+      </p:sp>
+      <p:sp>
+        <p:nvSpPr>
+          <p:cNvPr id="3" name="Content Placeholder 2"/>
+          <p:cNvSpPr>
+            <a:spLocks noGrp="1"/>
+          </p:cNvSpPr>
+          <p:nvPr>
+            <p:ph idx="1"/>
+          </p:nvPr>
+        </p:nvSpPr>
+        <p:spPr>
+          <a:xfrm>
+            <a:off x="0" y="1858613"/>
+            <a:ext cx="10058400" cy="4023360"/>
+          </a:xfrm>
+        </p:spPr>
+        <p:txBody>
+          <a:bodyPr>
+            <a:normAutofit/>
+          </a:bodyPr>
+          <a:lstStyle/>
+          <a:p>
+            <a:pPr lvl="1">
+              <a:buClrTx/>
+              <a:buFont typeface="Wingdings" panose="05000000000000000000" pitchFamily="2" charset="2"/>
+              <a:buChar char="§"/>
+            </a:pPr>
+            <a:r>
+              <a:rPr lang="en-US" sz="2000" b="1" dirty="0" smtClean="0">
+                <a:latin typeface="Times New Roman" panose="02020603050405020304" pitchFamily="18" charset="0"/>
+                <a:cs typeface="Times New Roman" panose="02020603050405020304" pitchFamily="18" charset="0"/>
+              </a:rPr>
+              <a:t>User Management</a:t>
+            </a:r>
+          </a:p>
+          <a:p>
+            <a:pPr lvl="3">
+              <a:buClrTx/>
+              <a:buFont typeface="Courier New" panose="02070309020205020404" pitchFamily="49" charset="0"/>
+              <a:buChar char="o"/>
+            </a:pPr>
+            <a:r>
+              <a:rPr lang="en-US" sz="1800" dirty="0" smtClean="0">
+                <a:latin typeface="Times New Roman" panose="02020603050405020304" pitchFamily="18" charset="0"/>
+                <a:cs typeface="Times New Roman" panose="02020603050405020304" pitchFamily="18" charset="0"/>
+              </a:rPr>
+              <a:t>User Login</a:t>
+            </a:r>
+          </a:p>
+        </p:txBody>
+      </p:sp>
+      <p:pic>
+        <p:nvPicPr>
+          <p:cNvPr id="6" name="Picture 5"/>
+          <p:cNvPicPr>
+            <a:picLocks noChangeAspect="1"/>
+          </p:cNvPicPr>
+          <p:nvPr/>
+        </p:nvPicPr>
+        <p:blipFill>
+          <a:blip r:embed="rId2"/>
+          <a:stretch>
+            <a:fillRect/>
+          </a:stretch>
+        </p:blipFill>
+        <p:spPr>
+          <a:xfrm>
+            <a:off x="2913529" y="1737360"/>
+            <a:ext cx="9278471" cy="4588040"/>
+          </a:xfrm>
+          <a:prstGeom prst="rect">
+            <a:avLst/>
+          </a:prstGeom>
+          <a:ln>
+            <a:solidFill>
+              <a:srgbClr val="FF0000"/>
+            </a:solidFill>
+          </a:ln>
+        </p:spPr>
+      </p:pic>
+    </p:spTree>
+    <p:extLst>
+      <p:ext uri="{BB962C8B-B14F-4D97-AF65-F5344CB8AC3E}">
+        <p14:creationId xmlns:p14="http://schemas.microsoft.com/office/powerpoint/2010/main" val="2272825261"/>
+      </p:ext>
+    </p:extLst>
+  </p:cSld>
+  <p:clrMapOvr>
+    <a:masterClrMapping/>
+  </p:clrMapOvr>
+  <p:timing>
+    <p:tnLst>
+      <p:par>
+        <p:cTn id="1" dur="indefinite" restart="never" nodeType="tmRoot"/>
+      </p:par>
+    </p:tnLst>
+  </p:timing>
+</p:sld>
+</file>
+
+<file path=ppt/slides/slide16.xml><?xml version="1.0" encoding="utf-8"?>
+<p:sld xmlns:a="http://schemas.openxmlformats.org/drawingml/2006/main" xmlns:r="http://schemas.openxmlformats.org/officeDocument/2006/relationships" xmlns:p="http://schemas.openxmlformats.org/presentationml/2006/main">
+  <p:cSld>
+    <p:spTree>
+      <p:nvGrpSpPr>
+        <p:cNvPr id="1" name=""/>
+        <p:cNvGrpSpPr/>
+        <p:nvPr/>
+      </p:nvGrpSpPr>
+      <p:grpSpPr>
+        <a:xfrm>
+          <a:off x="0" y="0"/>
+          <a:ext cx="0" cy="0"/>
+          <a:chOff x="0" y="0"/>
+          <a:chExt cx="0" cy="0"/>
+        </a:xfrm>
+      </p:grpSpPr>
+      <p:sp>
+        <p:nvSpPr>
+          <p:cNvPr id="2" name="Title 1"/>
+          <p:cNvSpPr>
+            <a:spLocks noGrp="1"/>
+          </p:cNvSpPr>
+          <p:nvPr>
+            <p:ph type="title"/>
+          </p:nvPr>
+        </p:nvSpPr>
+        <p:spPr/>
+        <p:txBody>
+          <a:bodyPr/>
+          <a:lstStyle/>
+          <a:p>
+            <a:pPr marL="1028700" indent="-1028700">
+              <a:buFont typeface="+mj-lt"/>
+              <a:buAutoNum type="romanUcPeriod" startAt="3"/>
+            </a:pPr>
+            <a:r>
+              <a:rPr lang="en-US" b="1" dirty="0" smtClean="0">
+                <a:latin typeface="Times New Roman" panose="02020603050405020304" pitchFamily="18" charset="0"/>
+                <a:cs typeface="Times New Roman" panose="02020603050405020304" pitchFamily="18" charset="0"/>
+              </a:rPr>
+              <a:t>Project Features</a:t>
+            </a:r>
+            <a:endParaRPr lang="en-US" b="1" dirty="0">
+              <a:latin typeface="Times New Roman" panose="02020603050405020304" pitchFamily="18" charset="0"/>
+              <a:cs typeface="Times New Roman" panose="02020603050405020304" pitchFamily="18" charset="0"/>
+            </a:endParaRPr>
+          </a:p>
+        </p:txBody>
+      </p:sp>
+      <p:sp>
+        <p:nvSpPr>
+          <p:cNvPr id="3" name="Content Placeholder 2"/>
+          <p:cNvSpPr>
+            <a:spLocks noGrp="1"/>
+          </p:cNvSpPr>
+          <p:nvPr>
+            <p:ph idx="1"/>
+          </p:nvPr>
+        </p:nvSpPr>
+        <p:spPr>
+          <a:xfrm>
+            <a:off x="0" y="1858613"/>
+            <a:ext cx="10058400" cy="4023360"/>
+          </a:xfrm>
+        </p:spPr>
+        <p:txBody>
+          <a:bodyPr>
+            <a:normAutofit/>
+          </a:bodyPr>
+          <a:lstStyle/>
+          <a:p>
+            <a:pPr lvl="1">
+              <a:buClrTx/>
+              <a:buFont typeface="Wingdings" panose="05000000000000000000" pitchFamily="2" charset="2"/>
+              <a:buChar char="§"/>
+            </a:pPr>
+            <a:r>
+              <a:rPr lang="en-US" sz="2000" b="1" dirty="0" smtClean="0">
+                <a:latin typeface="Times New Roman" panose="02020603050405020304" pitchFamily="18" charset="0"/>
+                <a:cs typeface="Times New Roman" panose="02020603050405020304" pitchFamily="18" charset="0"/>
+              </a:rPr>
+              <a:t>User Management</a:t>
+            </a:r>
+          </a:p>
+          <a:p>
+            <a:pPr lvl="3">
+              <a:buClrTx/>
+              <a:buFont typeface="Courier New" panose="02070309020205020404" pitchFamily="49" charset="0"/>
+              <a:buChar char="o"/>
+            </a:pPr>
+            <a:r>
+              <a:rPr lang="en-US" sz="1800" dirty="0" smtClean="0">
+                <a:latin typeface="Times New Roman" panose="02020603050405020304" pitchFamily="18" charset="0"/>
+                <a:cs typeface="Times New Roman" panose="02020603050405020304" pitchFamily="18" charset="0"/>
+              </a:rPr>
+              <a:t>User Register</a:t>
+            </a:r>
+          </a:p>
+        </p:txBody>
+      </p:sp>
+      <p:pic>
+        <p:nvPicPr>
+          <p:cNvPr id="4" name="Picture 3"/>
+          <p:cNvPicPr>
+            <a:picLocks noChangeAspect="1"/>
+          </p:cNvPicPr>
+          <p:nvPr/>
+        </p:nvPicPr>
+        <p:blipFill>
+          <a:blip r:embed="rId2"/>
+          <a:stretch>
+            <a:fillRect/>
+          </a:stretch>
+        </p:blipFill>
+        <p:spPr>
+          <a:xfrm>
+            <a:off x="2913529" y="1737360"/>
+            <a:ext cx="9278471" cy="4588040"/>
+          </a:xfrm>
+          <a:prstGeom prst="rect">
+            <a:avLst/>
+          </a:prstGeom>
+          <a:ln>
+            <a:solidFill>
+              <a:srgbClr val="FF0000"/>
+            </a:solidFill>
+          </a:ln>
+        </p:spPr>
+      </p:pic>
+    </p:spTree>
+    <p:extLst>
+      <p:ext uri="{BB962C8B-B14F-4D97-AF65-F5344CB8AC3E}">
+        <p14:creationId xmlns:p14="http://schemas.microsoft.com/office/powerpoint/2010/main" val="1027452694"/>
+      </p:ext>
+    </p:extLst>
+  </p:cSld>
+  <p:clrMapOvr>
+    <a:masterClrMapping/>
+  </p:clrMapOvr>
+  <p:timing>
+    <p:tnLst>
+      <p:par>
+        <p:cTn id="1" dur="indefinite" restart="never" nodeType="tmRoot"/>
+      </p:par>
+    </p:tnLst>
+  </p:timing>
+</p:sld>
+</file>
+
+<file path=ppt/slides/slide17.xml><?xml version="1.0" encoding="utf-8"?>
+<p:sld xmlns:a="http://schemas.openxmlformats.org/drawingml/2006/main" xmlns:r="http://schemas.openxmlformats.org/officeDocument/2006/relationships" xmlns:p="http://schemas.openxmlformats.org/presentationml/2006/main">
+  <p:cSld>
+    <p:spTree>
+      <p:nvGrpSpPr>
+        <p:cNvPr id="1" name=""/>
+        <p:cNvGrpSpPr/>
+        <p:nvPr/>
+      </p:nvGrpSpPr>
+      <p:grpSpPr>
+        <a:xfrm>
+          <a:off x="0" y="0"/>
+          <a:ext cx="0" cy="0"/>
+          <a:chOff x="0" y="0"/>
+          <a:chExt cx="0" cy="0"/>
+        </a:xfrm>
+      </p:grpSpPr>
+      <p:sp>
+        <p:nvSpPr>
+          <p:cNvPr id="2" name="Title 1"/>
+          <p:cNvSpPr>
+            <a:spLocks noGrp="1"/>
+          </p:cNvSpPr>
+          <p:nvPr>
+            <p:ph type="title"/>
+          </p:nvPr>
+        </p:nvSpPr>
+        <p:spPr/>
+        <p:txBody>
+          <a:bodyPr/>
+          <a:lstStyle/>
+          <a:p>
+            <a:pPr marL="1028700" indent="-1028700">
+              <a:buFont typeface="+mj-lt"/>
+              <a:buAutoNum type="romanUcPeriod" startAt="3"/>
+            </a:pPr>
+            <a:r>
+              <a:rPr lang="en-US" b="1" dirty="0" smtClean="0">
+                <a:latin typeface="Times New Roman" panose="02020603050405020304" pitchFamily="18" charset="0"/>
+                <a:cs typeface="Times New Roman" panose="02020603050405020304" pitchFamily="18" charset="0"/>
+              </a:rPr>
+              <a:t>Project Features</a:t>
+            </a:r>
+            <a:endParaRPr lang="en-US" b="1" dirty="0">
+              <a:latin typeface="Times New Roman" panose="02020603050405020304" pitchFamily="18" charset="0"/>
+              <a:cs typeface="Times New Roman" panose="02020603050405020304" pitchFamily="18" charset="0"/>
+            </a:endParaRPr>
+          </a:p>
+        </p:txBody>
+      </p:sp>
+      <p:sp>
+        <p:nvSpPr>
+          <p:cNvPr id="3" name="Content Placeholder 2"/>
+          <p:cNvSpPr>
+            <a:spLocks noGrp="1"/>
+          </p:cNvSpPr>
+          <p:nvPr>
+            <p:ph idx="1"/>
+          </p:nvPr>
+        </p:nvSpPr>
+        <p:spPr>
+          <a:xfrm>
+            <a:off x="0" y="1858613"/>
+            <a:ext cx="10058400" cy="4023360"/>
+          </a:xfrm>
+        </p:spPr>
+        <p:txBody>
+          <a:bodyPr>
+            <a:normAutofit/>
+          </a:bodyPr>
+          <a:lstStyle/>
+          <a:p>
+            <a:pPr lvl="1">
+              <a:buClrTx/>
+              <a:buFont typeface="Wingdings" panose="05000000000000000000" pitchFamily="2" charset="2"/>
+              <a:buChar char="§"/>
+            </a:pPr>
+            <a:r>
+              <a:rPr lang="en-US" sz="2000" b="1" dirty="0" smtClean="0">
+                <a:latin typeface="Times New Roman" panose="02020603050405020304" pitchFamily="18" charset="0"/>
+                <a:cs typeface="Times New Roman" panose="02020603050405020304" pitchFamily="18" charset="0"/>
+              </a:rPr>
+              <a:t>User Management</a:t>
+            </a:r>
+          </a:p>
+          <a:p>
+            <a:pPr lvl="3">
+              <a:buClrTx/>
+              <a:buFont typeface="Courier New" panose="02070309020205020404" pitchFamily="49" charset="0"/>
+              <a:buChar char="o"/>
+            </a:pPr>
+            <a:r>
+              <a:rPr lang="en-US" sz="1800" dirty="0" smtClean="0">
+                <a:latin typeface="Times New Roman" panose="02020603050405020304" pitchFamily="18" charset="0"/>
+                <a:cs typeface="Times New Roman" panose="02020603050405020304" pitchFamily="18" charset="0"/>
+              </a:rPr>
+              <a:t>User table list</a:t>
+            </a:r>
+          </a:p>
+        </p:txBody>
+      </p:sp>
+      <p:pic>
+        <p:nvPicPr>
+          <p:cNvPr id="4" name="Picture 3"/>
+          <p:cNvPicPr>
+            <a:picLocks noChangeAspect="1"/>
+          </p:cNvPicPr>
+          <p:nvPr/>
+        </p:nvPicPr>
+        <p:blipFill>
+          <a:blip r:embed="rId2"/>
+          <a:stretch>
+            <a:fillRect/>
+          </a:stretch>
+        </p:blipFill>
+        <p:spPr>
+          <a:xfrm>
+            <a:off x="2859741" y="1747744"/>
+            <a:ext cx="9323294" cy="4602763"/>
+          </a:xfrm>
+          <a:prstGeom prst="rect">
+            <a:avLst/>
+          </a:prstGeom>
+          <a:ln>
+            <a:solidFill>
+              <a:srgbClr val="FF0000"/>
+            </a:solidFill>
+          </a:ln>
+        </p:spPr>
+      </p:pic>
+    </p:spTree>
+    <p:extLst>
+      <p:ext uri="{BB962C8B-B14F-4D97-AF65-F5344CB8AC3E}">
+        <p14:creationId xmlns:p14="http://schemas.microsoft.com/office/powerpoint/2010/main" val="1179064809"/>
+      </p:ext>
+    </p:extLst>
+  </p:cSld>
+  <p:clrMapOvr>
+    <a:masterClrMapping/>
+  </p:clrMapOvr>
+  <p:timing>
+    <p:tnLst>
+      <p:par>
+        <p:cTn id="1" dur="indefinite" restart="never" nodeType="tmRoot"/>
+      </p:par>
+    </p:tnLst>
+  </p:timing>
+</p:sld>
+</file>
+
+<file path=ppt/slides/slide18.xml><?xml version="1.0" encoding="utf-8"?>
+<p:sld xmlns:a="http://schemas.openxmlformats.org/drawingml/2006/main" xmlns:r="http://schemas.openxmlformats.org/officeDocument/2006/relationships" xmlns:p="http://schemas.openxmlformats.org/presentationml/2006/main">
+  <p:cSld>
+    <p:spTree>
+      <p:nvGrpSpPr>
+        <p:cNvPr id="1" name=""/>
+        <p:cNvGrpSpPr/>
+        <p:nvPr/>
+      </p:nvGrpSpPr>
+      <p:grpSpPr>
+        <a:xfrm>
+          <a:off x="0" y="0"/>
+          <a:ext cx="0" cy="0"/>
+          <a:chOff x="0" y="0"/>
+          <a:chExt cx="0" cy="0"/>
+        </a:xfrm>
+      </p:grpSpPr>
+      <p:sp>
+        <p:nvSpPr>
+          <p:cNvPr id="2" name="Title 1"/>
+          <p:cNvSpPr>
+            <a:spLocks noGrp="1"/>
+          </p:cNvSpPr>
+          <p:nvPr>
+            <p:ph type="title"/>
+          </p:nvPr>
+        </p:nvSpPr>
+        <p:spPr/>
+        <p:txBody>
+          <a:bodyPr/>
+          <a:lstStyle/>
+          <a:p>
+            <a:pPr marL="1028700" indent="-1028700">
+              <a:buFont typeface="+mj-lt"/>
+              <a:buAutoNum type="romanUcPeriod" startAt="3"/>
+            </a:pPr>
+            <a:r>
+              <a:rPr lang="en-US" b="1" dirty="0" smtClean="0">
+                <a:latin typeface="Times New Roman" panose="02020603050405020304" pitchFamily="18" charset="0"/>
+                <a:cs typeface="Times New Roman" panose="02020603050405020304" pitchFamily="18" charset="0"/>
+              </a:rPr>
+              <a:t>Project Features</a:t>
+            </a:r>
+            <a:endParaRPr lang="en-US" b="1" dirty="0">
+              <a:latin typeface="Times New Roman" panose="02020603050405020304" pitchFamily="18" charset="0"/>
+              <a:cs typeface="Times New Roman" panose="02020603050405020304" pitchFamily="18" charset="0"/>
+            </a:endParaRPr>
+          </a:p>
+        </p:txBody>
+      </p:sp>
+      <p:sp>
+        <p:nvSpPr>
+          <p:cNvPr id="3" name="Content Placeholder 2"/>
+          <p:cNvSpPr>
+            <a:spLocks noGrp="1"/>
+          </p:cNvSpPr>
+          <p:nvPr>
+            <p:ph idx="1"/>
+          </p:nvPr>
+        </p:nvSpPr>
+        <p:spPr>
+          <a:xfrm>
+            <a:off x="0" y="1858613"/>
+            <a:ext cx="10058400" cy="4023360"/>
+          </a:xfrm>
+        </p:spPr>
+        <p:txBody>
+          <a:bodyPr>
+            <a:normAutofit/>
+          </a:bodyPr>
+          <a:lstStyle/>
+          <a:p>
+            <a:pPr lvl="1">
+              <a:buClrTx/>
+              <a:buFont typeface="Wingdings" panose="05000000000000000000" pitchFamily="2" charset="2"/>
+              <a:buChar char="§"/>
+            </a:pPr>
+            <a:r>
+              <a:rPr lang="en-US" sz="2000" b="1" dirty="0" smtClean="0">
+                <a:latin typeface="Times New Roman" panose="02020603050405020304" pitchFamily="18" charset="0"/>
+                <a:cs typeface="Times New Roman" panose="02020603050405020304" pitchFamily="18" charset="0"/>
+              </a:rPr>
+              <a:t>User Management</a:t>
+            </a:r>
+          </a:p>
+          <a:p>
+            <a:pPr lvl="3">
+              <a:buClrTx/>
+              <a:buFont typeface="Courier New" panose="02070309020205020404" pitchFamily="49" charset="0"/>
+              <a:buChar char="o"/>
+            </a:pPr>
+            <a:r>
+              <a:rPr lang="en-US" sz="1800" dirty="0" smtClean="0">
+                <a:latin typeface="Times New Roman" panose="02020603050405020304" pitchFamily="18" charset="0"/>
+                <a:cs typeface="Times New Roman" panose="02020603050405020304" pitchFamily="18" charset="0"/>
+              </a:rPr>
+              <a:t>Add User</a:t>
+            </a:r>
+            <a:endParaRPr lang="en-US" sz="1800" dirty="0" smtClean="0">
+              <a:latin typeface="Times New Roman" panose="02020603050405020304" pitchFamily="18" charset="0"/>
+              <a:cs typeface="Times New Roman" panose="02020603050405020304" pitchFamily="18" charset="0"/>
+            </a:endParaRPr>
+          </a:p>
+        </p:txBody>
+      </p:sp>
+      <p:pic>
+        <p:nvPicPr>
+          <p:cNvPr id="5" name="Picture 4"/>
+          <p:cNvPicPr>
+            <a:picLocks noChangeAspect="1"/>
+          </p:cNvPicPr>
+          <p:nvPr/>
+        </p:nvPicPr>
+        <p:blipFill>
+          <a:blip r:embed="rId2"/>
+          <a:stretch>
+            <a:fillRect/>
+          </a:stretch>
+        </p:blipFill>
+        <p:spPr>
+          <a:xfrm>
+            <a:off x="2805953" y="1737360"/>
+            <a:ext cx="9386047" cy="4616654"/>
+          </a:xfrm>
+          <a:prstGeom prst="rect">
+            <a:avLst/>
+          </a:prstGeom>
+          <a:ln>
+            <a:solidFill>
+              <a:srgbClr val="FF0000"/>
+            </a:solidFill>
+          </a:ln>
+        </p:spPr>
+      </p:pic>
+    </p:spTree>
+    <p:extLst>
+      <p:ext uri="{BB962C8B-B14F-4D97-AF65-F5344CB8AC3E}">
+        <p14:creationId xmlns:p14="http://schemas.microsoft.com/office/powerpoint/2010/main" val="4017106007"/>
+      </p:ext>
+    </p:extLst>
+  </p:cSld>
+  <p:clrMapOvr>
+    <a:masterClrMapping/>
+  </p:clrMapOvr>
+  <p:timing>
+    <p:tnLst>
+      <p:par>
+        <p:cTn id="1" dur="indefinite" restart="never" nodeType="tmRoot"/>
+      </p:par>
+    </p:tnLst>
+  </p:timing>
+</p:sld>
+</file>
+
+<file path=ppt/slides/slide19.xml><?xml version="1.0" encoding="utf-8"?>
+<p:sld xmlns:a="http://schemas.openxmlformats.org/drawingml/2006/main" xmlns:r="http://schemas.openxmlformats.org/officeDocument/2006/relationships" xmlns:p="http://schemas.openxmlformats.org/presentationml/2006/main">
+  <p:cSld>
+    <p:spTree>
+      <p:nvGrpSpPr>
+        <p:cNvPr id="1" name=""/>
+        <p:cNvGrpSpPr/>
+        <p:nvPr/>
+      </p:nvGrpSpPr>
+      <p:grpSpPr>
+        <a:xfrm>
+          <a:off x="0" y="0"/>
+          <a:ext cx="0" cy="0"/>
+          <a:chOff x="0" y="0"/>
+          <a:chExt cx="0" cy="0"/>
+        </a:xfrm>
+      </p:grpSpPr>
+      <p:sp>
+        <p:nvSpPr>
+          <p:cNvPr id="2" name="Title 1"/>
+          <p:cNvSpPr>
+            <a:spLocks noGrp="1"/>
+          </p:cNvSpPr>
+          <p:nvPr>
+            <p:ph type="title"/>
+          </p:nvPr>
+        </p:nvSpPr>
+        <p:spPr/>
+        <p:txBody>
+          <a:bodyPr/>
+          <a:lstStyle/>
+          <a:p>
+            <a:pPr marL="1028700" indent="-1028700">
+              <a:buFont typeface="+mj-lt"/>
+              <a:buAutoNum type="romanUcPeriod" startAt="3"/>
+            </a:pPr>
+            <a:r>
+              <a:rPr lang="en-US" b="1" dirty="0" smtClean="0">
+                <a:latin typeface="Times New Roman" panose="02020603050405020304" pitchFamily="18" charset="0"/>
+                <a:cs typeface="Times New Roman" panose="02020603050405020304" pitchFamily="18" charset="0"/>
+              </a:rPr>
+              <a:t>Project Features</a:t>
+            </a:r>
+            <a:endParaRPr lang="en-US" b="1" dirty="0">
+              <a:latin typeface="Times New Roman" panose="02020603050405020304" pitchFamily="18" charset="0"/>
+              <a:cs typeface="Times New Roman" panose="02020603050405020304" pitchFamily="18" charset="0"/>
+            </a:endParaRPr>
+          </a:p>
+        </p:txBody>
+      </p:sp>
+      <p:sp>
+        <p:nvSpPr>
+          <p:cNvPr id="3" name="Content Placeholder 2"/>
+          <p:cNvSpPr>
+            <a:spLocks noGrp="1"/>
+          </p:cNvSpPr>
+          <p:nvPr>
+            <p:ph idx="1"/>
+          </p:nvPr>
+        </p:nvSpPr>
+        <p:spPr>
+          <a:xfrm>
+            <a:off x="0" y="1858613"/>
+            <a:ext cx="10058400" cy="4023360"/>
+          </a:xfrm>
+        </p:spPr>
+        <p:txBody>
+          <a:bodyPr>
+            <a:normAutofit/>
+          </a:bodyPr>
+          <a:lstStyle/>
+          <a:p>
+            <a:pPr lvl="1">
+              <a:buClrTx/>
+              <a:buFont typeface="Wingdings" panose="05000000000000000000" pitchFamily="2" charset="2"/>
+              <a:buChar char="§"/>
+            </a:pPr>
+            <a:r>
+              <a:rPr lang="en-US" sz="2000" b="1" dirty="0" smtClean="0">
+                <a:latin typeface="Times New Roman" panose="02020603050405020304" pitchFamily="18" charset="0"/>
+                <a:cs typeface="Times New Roman" panose="02020603050405020304" pitchFamily="18" charset="0"/>
+              </a:rPr>
+              <a:t>User Management</a:t>
+            </a:r>
+          </a:p>
+          <a:p>
+            <a:pPr lvl="3">
+              <a:buClrTx/>
+              <a:buFont typeface="Courier New" panose="02070309020205020404" pitchFamily="49" charset="0"/>
+              <a:buChar char="o"/>
+            </a:pPr>
+            <a:r>
+              <a:rPr lang="en-US" sz="1800" dirty="0" smtClean="0">
+                <a:latin typeface="Times New Roman" panose="02020603050405020304" pitchFamily="18" charset="0"/>
+                <a:cs typeface="Times New Roman" panose="02020603050405020304" pitchFamily="18" charset="0"/>
+              </a:rPr>
+              <a:t>Edit User</a:t>
+            </a:r>
+            <a:endParaRPr lang="en-US" sz="1800" dirty="0" smtClean="0">
+              <a:latin typeface="Times New Roman" panose="02020603050405020304" pitchFamily="18" charset="0"/>
+              <a:cs typeface="Times New Roman" panose="02020603050405020304" pitchFamily="18" charset="0"/>
+            </a:endParaRPr>
+          </a:p>
+        </p:txBody>
+      </p:sp>
+      <p:pic>
+        <p:nvPicPr>
+          <p:cNvPr id="4" name="Picture 3"/>
+          <p:cNvPicPr>
+            <a:picLocks noChangeAspect="1"/>
+          </p:cNvPicPr>
+          <p:nvPr/>
+        </p:nvPicPr>
+        <p:blipFill>
+          <a:blip r:embed="rId2"/>
+          <a:stretch>
+            <a:fillRect/>
+          </a:stretch>
+        </p:blipFill>
+        <p:spPr>
+          <a:xfrm>
+            <a:off x="2779059" y="1737360"/>
+            <a:ext cx="9412941" cy="4656877"/>
+          </a:xfrm>
+          <a:prstGeom prst="rect">
+            <a:avLst/>
+          </a:prstGeom>
+          <a:ln>
+            <a:solidFill>
+              <a:srgbClr val="FF0000"/>
+            </a:solidFill>
+          </a:ln>
+        </p:spPr>
+      </p:pic>
+    </p:spTree>
+    <p:extLst>
+      <p:ext uri="{BB962C8B-B14F-4D97-AF65-F5344CB8AC3E}">
+        <p14:creationId xmlns:p14="http://schemas.microsoft.com/office/powerpoint/2010/main" val="1174840615"/>
+      </p:ext>
+    </p:extLst>
+  </p:cSld>
+  <p:clrMapOvr>
+    <a:masterClrMapping/>
+  </p:clrMapOvr>
+  <p:timing>
+    <p:tnLst>
+      <p:par>
+        <p:cTn id="1" dur="indefinite" restart="never" nodeType="tmRoot"/>
+      </p:par>
+    </p:tnLst>
+  </p:timing>
+</p:sld>
+</file>
+
 <file path=ppt/slides/slide2.xml><?xml version="1.0" encoding="utf-8"?>
 <p:sld xmlns:a="http://schemas.openxmlformats.org/drawingml/2006/main" xmlns:r="http://schemas.openxmlformats.org/officeDocument/2006/relationships" xmlns:p="http://schemas.openxmlformats.org/presentationml/2006/main">
   <p:cSld>
@@ -4188,7 +5736,7 @@
 </p:sld>
 </file>
 
-<file path=ppt/slides/slide3.xml><?xml version="1.0" encoding="utf-8"?>
+<file path=ppt/slides/slide20.xml><?xml version="1.0" encoding="utf-8"?>
 <p:sld xmlns:a="http://schemas.openxmlformats.org/drawingml/2006/main" xmlns:r="http://schemas.openxmlformats.org/officeDocument/2006/relationships" xmlns:p="http://schemas.openxmlformats.org/presentationml/2006/main">
   <p:cSld>
     <p:spTree>
@@ -4222,14 +5770,14 @@
           <a:p>
             <a:pPr marL="1028700" indent="-1028700">
               <a:buFont typeface="+mj-lt"/>
-              <a:buAutoNum type="romanUcPeriod"/>
+              <a:buAutoNum type="romanUcPeriod" startAt="3"/>
             </a:pPr>
             <a:r>
               <a:rPr lang="en-US" b="1" dirty="0" smtClean="0">
                 <a:latin typeface="Times New Roman" panose="02020603050405020304" pitchFamily="18" charset="0"/>
                 <a:cs typeface="Times New Roman" panose="02020603050405020304" pitchFamily="18" charset="0"/>
               </a:rPr>
-              <a:t>Introduction</a:t>
+              <a:t>Project Features</a:t>
             </a:r>
             <a:endParaRPr lang="en-US" b="1" dirty="0">
               <a:latin typeface="Times New Roman" panose="02020603050405020304" pitchFamily="18" charset="0"/>
@@ -4248,9 +5796,16 @@
             <p:ph idx="1"/>
           </p:nvPr>
         </p:nvSpPr>
-        <p:spPr/>
-        <p:txBody>
-          <a:bodyPr/>
+        <p:spPr>
+          <a:xfrm>
+            <a:off x="0" y="1858613"/>
+            <a:ext cx="10058400" cy="4023360"/>
+          </a:xfrm>
+        </p:spPr>
+        <p:txBody>
+          <a:bodyPr>
+            <a:normAutofit/>
+          </a:bodyPr>
           <a:lstStyle/>
           <a:p>
             <a:pPr lvl="1">
@@ -4259,119 +5814,62 @@
               <a:buChar char="§"/>
             </a:pPr>
             <a:r>
-              <a:rPr lang="en-US" sz="2400" b="1" dirty="0" smtClean="0">
-                <a:latin typeface="Times New Roman" panose="02020603050405020304" pitchFamily="18" charset="0"/>
-                <a:cs typeface="Times New Roman" panose="02020603050405020304" pitchFamily="18" charset="0"/>
-              </a:rPr>
-              <a:t>Description</a:t>
-            </a:r>
-            <a:r>
-              <a:rPr lang="en-US" sz="2400" dirty="0" smtClean="0">
-                <a:latin typeface="Times New Roman" panose="02020603050405020304" pitchFamily="18" charset="0"/>
-                <a:cs typeface="Times New Roman" panose="02020603050405020304" pitchFamily="18" charset="0"/>
-              </a:rPr>
-              <a:t>: Article Post is a project to share about the news related to Entertainments, Sports, Technologies and Socials.  </a:t>
-            </a:r>
-          </a:p>
-          <a:p>
-            <a:pPr lvl="1">
-              <a:buClrTx/>
-              <a:buFont typeface="Wingdings" panose="05000000000000000000" pitchFamily="2" charset="2"/>
-              <a:buChar char="§"/>
-            </a:pPr>
-            <a:r>
-              <a:rPr lang="en-US" sz="2400" b="1" dirty="0" smtClean="0">
-                <a:latin typeface="Times New Roman" panose="02020603050405020304" pitchFamily="18" charset="0"/>
-                <a:cs typeface="Times New Roman" panose="02020603050405020304" pitchFamily="18" charset="0"/>
-              </a:rPr>
-              <a:t>Technologies:</a:t>
+              <a:rPr lang="en-US" sz="2000" b="1" dirty="0" smtClean="0">
+                <a:latin typeface="Times New Roman" panose="02020603050405020304" pitchFamily="18" charset="0"/>
+                <a:cs typeface="Times New Roman" panose="02020603050405020304" pitchFamily="18" charset="0"/>
+              </a:rPr>
+              <a:t>User Management</a:t>
             </a:r>
           </a:p>
           <a:p>
             <a:pPr lvl="3">
               <a:buClrTx/>
-              <a:buFont typeface="Arial" panose="020B0604020202020204" pitchFamily="34" charset="0"/>
-              <a:buChar char="•"/>
+              <a:buFont typeface="Courier New" panose="02070309020205020404" pitchFamily="49" charset="0"/>
+              <a:buChar char="o"/>
             </a:pPr>
             <a:r>
               <a:rPr lang="en-US" sz="1800" dirty="0" smtClean="0">
                 <a:latin typeface="Times New Roman" panose="02020603050405020304" pitchFamily="18" charset="0"/>
                 <a:cs typeface="Times New Roman" panose="02020603050405020304" pitchFamily="18" charset="0"/>
               </a:rPr>
-              <a:t>PHP Framework (</a:t>
-            </a:r>
-            <a:r>
-              <a:rPr lang="en-US" sz="1800" dirty="0" err="1" smtClean="0">
-                <a:latin typeface="Times New Roman" panose="02020603050405020304" pitchFamily="18" charset="0"/>
-                <a:cs typeface="Times New Roman" panose="02020603050405020304" pitchFamily="18" charset="0"/>
-              </a:rPr>
-              <a:t>Laravel</a:t>
-            </a:r>
-            <a:r>
-              <a:rPr lang="en-US" sz="1800" dirty="0" smtClean="0">
-                <a:latin typeface="Times New Roman" panose="02020603050405020304" pitchFamily="18" charset="0"/>
-                <a:cs typeface="Times New Roman" panose="02020603050405020304" pitchFamily="18" charset="0"/>
-              </a:rPr>
-              <a:t>)</a:t>
-            </a:r>
-          </a:p>
-          <a:p>
-            <a:pPr lvl="3">
-              <a:buClrTx/>
-              <a:buFont typeface="Arial" panose="020B0604020202020204" pitchFamily="34" charset="0"/>
-              <a:buChar char="•"/>
-            </a:pPr>
-            <a:r>
-              <a:rPr lang="en-US" sz="1800" dirty="0" smtClean="0">
-                <a:latin typeface="Times New Roman" panose="02020603050405020304" pitchFamily="18" charset="0"/>
-                <a:cs typeface="Times New Roman" panose="02020603050405020304" pitchFamily="18" charset="0"/>
-              </a:rPr>
-              <a:t>Bootstrap 4</a:t>
-            </a:r>
-          </a:p>
-          <a:p>
-            <a:pPr lvl="3">
-              <a:buClrTx/>
-              <a:buFont typeface="Arial" panose="020B0604020202020204" pitchFamily="34" charset="0"/>
-              <a:buChar char="•"/>
-            </a:pPr>
-            <a:r>
-              <a:rPr lang="en-US" sz="1800" dirty="0" smtClean="0">
-                <a:latin typeface="Times New Roman" panose="02020603050405020304" pitchFamily="18" charset="0"/>
-                <a:cs typeface="Times New Roman" panose="02020603050405020304" pitchFamily="18" charset="0"/>
-              </a:rPr>
-              <a:t>MySQL Database</a:t>
-            </a:r>
-          </a:p>
-          <a:p>
-            <a:pPr lvl="1">
-              <a:buClrTx/>
-              <a:buFont typeface="Wingdings" panose="05000000000000000000" pitchFamily="2" charset="2"/>
-              <a:buChar char="§"/>
-            </a:pPr>
-            <a:endParaRPr lang="en-US" dirty="0" smtClean="0"/>
-          </a:p>
-          <a:p>
-            <a:endParaRPr lang="en-US" dirty="0"/>
-          </a:p>
-          <a:p>
-            <a:endParaRPr lang="en-US" dirty="0" smtClean="0"/>
-          </a:p>
-          <a:p>
-            <a:endParaRPr lang="en-US" dirty="0"/>
-          </a:p>
-          <a:p>
-            <a:endParaRPr lang="en-US" dirty="0" smtClean="0"/>
-          </a:p>
-          <a:p>
-            <a:endParaRPr lang="en-US" dirty="0"/>
-          </a:p>
-        </p:txBody>
-      </p:sp>
+              <a:t>Delete User</a:t>
+            </a:r>
+          </a:p>
+        </p:txBody>
+      </p:sp>
+      <p:pic>
+        <p:nvPicPr>
+          <p:cNvPr id="5" name="Picture 4"/>
+          <p:cNvPicPr>
+            <a:picLocks noChangeAspect="1"/>
+          </p:cNvPicPr>
+          <p:nvPr/>
+        </p:nvPicPr>
+        <p:blipFill>
+          <a:blip r:embed="rId2"/>
+          <a:stretch>
+            <a:fillRect/>
+          </a:stretch>
+        </p:blipFill>
+        <p:spPr>
+          <a:xfrm>
+            <a:off x="2873188" y="1750807"/>
+            <a:ext cx="9322881" cy="4592818"/>
+          </a:xfrm>
+          <a:prstGeom prst="rect">
+            <a:avLst/>
+          </a:prstGeom>
+          <a:ln>
+            <a:solidFill>
+              <a:srgbClr val="FF0000"/>
+            </a:solidFill>
+          </a:ln>
+        </p:spPr>
+      </p:pic>
     </p:spTree>
     <p:extLst>
       <p:ext uri="{BB962C8B-B14F-4D97-AF65-F5344CB8AC3E}">
-        <p14:creationId xmlns:p14="http://schemas.microsoft.com/office/powerpoint/2010/main" val="2932290493"/>
+        <p14:creationId xmlns:p14="http://schemas.microsoft.com/office/powerpoint/2010/main" val="1087175088"/>
       </p:ext>
     </p:extLst>
   </p:cSld>
@@ -4388,7 +5886,7 @@
 </p:sld>
 </file>
 
-<file path=ppt/slides/slide4.xml><?xml version="1.0" encoding="utf-8"?>
+<file path=ppt/slides/slide21.xml><?xml version="1.0" encoding="utf-8"?>
 <p:sld xmlns:a="http://schemas.openxmlformats.org/drawingml/2006/main" xmlns:r="http://schemas.openxmlformats.org/officeDocument/2006/relationships" xmlns:p="http://schemas.openxmlformats.org/presentationml/2006/main">
   <p:cSld>
     <p:spTree>
@@ -4422,14 +5920,14 @@
           <a:p>
             <a:pPr marL="1028700" indent="-1028700">
               <a:buFont typeface="+mj-lt"/>
-              <a:buAutoNum type="romanUcPeriod" startAt="2"/>
+              <a:buAutoNum type="romanUcPeriod" startAt="3"/>
             </a:pPr>
             <a:r>
               <a:rPr lang="en-US" b="1" dirty="0" smtClean="0">
                 <a:latin typeface="Times New Roman" panose="02020603050405020304" pitchFamily="18" charset="0"/>
                 <a:cs typeface="Times New Roman" panose="02020603050405020304" pitchFamily="18" charset="0"/>
               </a:rPr>
-              <a:t>Project Scope</a:t>
+              <a:t>Project Features</a:t>
             </a:r>
             <a:endParaRPr lang="en-US" b="1" dirty="0">
               <a:latin typeface="Times New Roman" panose="02020603050405020304" pitchFamily="18" charset="0"/>
@@ -4440,7 +5938,7 @@
       </p:sp>
       <p:sp>
         <p:nvSpPr>
-          <p:cNvPr id="4" name="Content Placeholder 2"/>
+          <p:cNvPr id="3" name="Content Placeholder 2"/>
           <p:cNvSpPr>
             <a:spLocks noGrp="1"/>
           </p:cNvSpPr>
@@ -4450,12 +5948,14 @@
         </p:nvSpPr>
         <p:spPr>
           <a:xfrm>
-            <a:off x="1097280" y="1845734"/>
+            <a:off x="0" y="1858613"/>
             <a:ext cx="10058400" cy="4023360"/>
           </a:xfrm>
         </p:spPr>
         <p:txBody>
-          <a:bodyPr/>
+          <a:bodyPr>
+            <a:normAutofit/>
+          </a:bodyPr>
           <a:lstStyle/>
           <a:p>
             <a:pPr lvl="1">
@@ -4464,66 +5964,66 @@
               <a:buChar char="§"/>
             </a:pPr>
             <a:r>
-              <a:rPr lang="en-US" sz="2400" b="1" dirty="0" smtClean="0">
-                <a:latin typeface="Times New Roman" panose="02020603050405020304" pitchFamily="18" charset="0"/>
-                <a:cs typeface="Times New Roman" panose="02020603050405020304" pitchFamily="18" charset="0"/>
-              </a:rPr>
-              <a:t>Guest</a:t>
-            </a:r>
-            <a:r>
-              <a:rPr lang="en-US" dirty="0" smtClean="0">
-                <a:latin typeface="Times New Roman" panose="02020603050405020304" pitchFamily="18" charset="0"/>
-                <a:cs typeface="Times New Roman" panose="02020603050405020304" pitchFamily="18" charset="0"/>
-              </a:rPr>
-              <a:t>: Not require to login into our system they can view the articles post with the different categories and click for more detail for each post. </a:t>
-            </a:r>
-          </a:p>
-          <a:p>
-            <a:pPr lvl="1">
+              <a:rPr lang="en-US" sz="2000" b="1" dirty="0" smtClean="0">
+                <a:latin typeface="Times New Roman" panose="02020603050405020304" pitchFamily="18" charset="0"/>
+                <a:cs typeface="Times New Roman" panose="02020603050405020304" pitchFamily="18" charset="0"/>
+              </a:rPr>
+              <a:t>Category Management</a:t>
+            </a:r>
+          </a:p>
+          <a:p>
+            <a:pPr lvl="3">
               <a:buClrTx/>
-              <a:buFont typeface="Wingdings" panose="05000000000000000000" pitchFamily="2" charset="2"/>
-              <a:buChar char="§"/>
+              <a:buFont typeface="Courier New" panose="02070309020205020404" pitchFamily="49" charset="0"/>
+              <a:buChar char="o"/>
             </a:pPr>
             <a:r>
-              <a:rPr lang="en-US" sz="2400" b="1" dirty="0" smtClean="0">
-                <a:latin typeface="Times New Roman" panose="02020603050405020304" pitchFamily="18" charset="0"/>
-                <a:cs typeface="Times New Roman" panose="02020603050405020304" pitchFamily="18" charset="0"/>
-              </a:rPr>
-              <a:t>Admin User</a:t>
-            </a:r>
-            <a:r>
-              <a:rPr lang="en-US" dirty="0" smtClean="0">
-                <a:latin typeface="Times New Roman" panose="02020603050405020304" pitchFamily="18" charset="0"/>
-                <a:cs typeface="Times New Roman" panose="02020603050405020304" pitchFamily="18" charset="0"/>
-              </a:rPr>
-              <a:t>: require to login into our system with the Email &amp; Password then they can work on Articles Management, User Management and Categories Management.</a:t>
-            </a:r>
-            <a:endParaRPr lang="en-US" dirty="0" smtClean="0">
+              <a:rPr lang="en-US" sz="1800" dirty="0" smtClean="0">
+                <a:latin typeface="Times New Roman" panose="02020603050405020304" pitchFamily="18" charset="0"/>
+                <a:cs typeface="Times New Roman" panose="02020603050405020304" pitchFamily="18" charset="0"/>
+              </a:rPr>
+              <a:t>Category table list</a:t>
+            </a:r>
+            <a:endParaRPr lang="en-US" sz="1800" dirty="0" smtClean="0">
               <a:latin typeface="Times New Roman" panose="02020603050405020304" pitchFamily="18" charset="0"/>
               <a:cs typeface="Times New Roman" panose="02020603050405020304" pitchFamily="18" charset="0"/>
             </a:endParaRPr>
           </a:p>
-          <a:p>
-            <a:endParaRPr lang="en-US" dirty="0"/>
-          </a:p>
-          <a:p>
-            <a:endParaRPr lang="en-US" dirty="0" smtClean="0"/>
-          </a:p>
-          <a:p>
-            <a:endParaRPr lang="en-US" dirty="0"/>
-          </a:p>
-          <a:p>
-            <a:endParaRPr lang="en-US" dirty="0" smtClean="0"/>
-          </a:p>
-          <a:p>
-            <a:endParaRPr lang="en-US" dirty="0"/>
-          </a:p>
-        </p:txBody>
-      </p:sp>
+        </p:txBody>
+      </p:sp>
+      <p:pic>
+        <p:nvPicPr>
+          <p:cNvPr id="4" name="Picture 3"/>
+          <p:cNvPicPr>
+            <a:picLocks noChangeAspect="1"/>
+          </p:cNvPicPr>
+          <p:nvPr/>
+        </p:nvPicPr>
+        <p:blipFill>
+          <a:blip r:embed="rId2"/>
+          <a:stretch>
+            <a:fillRect/>
+          </a:stretch>
+        </p:blipFill>
+        <p:spPr>
+          <a:xfrm>
+            <a:off x="2819400" y="1737360"/>
+            <a:ext cx="9359153" cy="4632756"/>
+          </a:xfrm>
+          <a:prstGeom prst="rect">
+            <a:avLst/>
+          </a:prstGeom>
+          <a:ln>
+            <a:solidFill>
+              <a:srgbClr val="FF0000"/>
+            </a:solidFill>
+          </a:ln>
+        </p:spPr>
+      </p:pic>
     </p:spTree>
     <p:extLst>
       <p:ext uri="{BB962C8B-B14F-4D97-AF65-F5344CB8AC3E}">
-        <p14:creationId xmlns:p14="http://schemas.microsoft.com/office/powerpoint/2010/main" val="948102065"/>
+        <p14:creationId xmlns:p14="http://schemas.microsoft.com/office/powerpoint/2010/main" val="4164047676"/>
       </p:ext>
     </p:extLst>
   </p:cSld>
@@ -4540,7 +6040,7 @@
 </p:sld>
 </file>
 
-<file path=ppt/slides/slide5.xml><?xml version="1.0" encoding="utf-8"?>
+<file path=ppt/slides/slide22.xml><?xml version="1.0" encoding="utf-8"?>
 <p:sld xmlns:a="http://schemas.openxmlformats.org/drawingml/2006/main" xmlns:r="http://schemas.openxmlformats.org/officeDocument/2006/relationships" xmlns:p="http://schemas.openxmlformats.org/presentationml/2006/main">
   <p:cSld>
     <p:spTree>
@@ -4600,10 +6100,15 @@
             <p:ph idx="1"/>
           </p:nvPr>
         </p:nvSpPr>
-        <p:spPr/>
+        <p:spPr>
+          <a:xfrm>
+            <a:off x="0" y="1858613"/>
+            <a:ext cx="10058400" cy="4023360"/>
+          </a:xfrm>
+        </p:spPr>
         <p:txBody>
           <a:bodyPr>
-            <a:normAutofit fontScale="92500" lnSpcReduction="10000"/>
+            <a:normAutofit/>
           </a:bodyPr>
           <a:lstStyle/>
           <a:p>
@@ -4613,11 +6118,11 @@
               <a:buChar char="§"/>
             </a:pPr>
             <a:r>
-              <a:rPr lang="en-US" sz="2600" b="1" dirty="0">
-                <a:latin typeface="Times New Roman" panose="02020603050405020304" pitchFamily="18" charset="0"/>
-                <a:cs typeface="Times New Roman" panose="02020603050405020304" pitchFamily="18" charset="0"/>
-              </a:rPr>
-              <a:t>Article Management</a:t>
+              <a:rPr lang="en-US" sz="2000" b="1" dirty="0" smtClean="0">
+                <a:latin typeface="Times New Roman" panose="02020603050405020304" pitchFamily="18" charset="0"/>
+                <a:cs typeface="Times New Roman" panose="02020603050405020304" pitchFamily="18" charset="0"/>
+              </a:rPr>
+              <a:t>Category Management</a:t>
             </a:r>
           </a:p>
           <a:p>
@@ -4627,183 +6132,52 @@
               <a:buChar char="o"/>
             </a:pPr>
             <a:r>
-              <a:rPr lang="en-US" sz="1800" dirty="0">
-                <a:latin typeface="Times New Roman" panose="02020603050405020304" pitchFamily="18" charset="0"/>
-                <a:cs typeface="Times New Roman" panose="02020603050405020304" pitchFamily="18" charset="0"/>
-              </a:rPr>
-              <a:t>Articles List</a:t>
-            </a:r>
-          </a:p>
-          <a:p>
-            <a:pPr lvl="3">
-              <a:buClrTx/>
-              <a:buFont typeface="Courier New" panose="02070309020205020404" pitchFamily="49" charset="0"/>
-              <a:buChar char="o"/>
-            </a:pPr>
-            <a:r>
-              <a:rPr lang="en-US" sz="1800" dirty="0">
-                <a:latin typeface="Times New Roman" panose="02020603050405020304" pitchFamily="18" charset="0"/>
-                <a:cs typeface="Times New Roman" panose="02020603050405020304" pitchFamily="18" charset="0"/>
-              </a:rPr>
-              <a:t>Article Detail</a:t>
-            </a:r>
-          </a:p>
-          <a:p>
-            <a:pPr lvl="3">
-              <a:buClrTx/>
-              <a:buFont typeface="Courier New" panose="02070309020205020404" pitchFamily="49" charset="0"/>
-              <a:buChar char="o"/>
-            </a:pPr>
-            <a:r>
-              <a:rPr lang="en-US" sz="1800" dirty="0">
-                <a:latin typeface="Times New Roman" panose="02020603050405020304" pitchFamily="18" charset="0"/>
-                <a:cs typeface="Times New Roman" panose="02020603050405020304" pitchFamily="18" charset="0"/>
-              </a:rPr>
-              <a:t>Post Article</a:t>
-            </a:r>
-          </a:p>
-          <a:p>
-            <a:pPr lvl="3">
-              <a:buClrTx/>
-              <a:buFont typeface="Courier New" panose="02070309020205020404" pitchFamily="49" charset="0"/>
-              <a:buChar char="o"/>
-            </a:pPr>
-            <a:r>
-              <a:rPr lang="en-US" sz="1800" dirty="0">
-                <a:latin typeface="Times New Roman" panose="02020603050405020304" pitchFamily="18" charset="0"/>
-                <a:cs typeface="Times New Roman" panose="02020603050405020304" pitchFamily="18" charset="0"/>
-              </a:rPr>
-              <a:t>Edit Article</a:t>
-            </a:r>
-          </a:p>
-          <a:p>
-            <a:pPr lvl="3">
-              <a:buClrTx/>
-              <a:buFont typeface="Courier New" panose="02070309020205020404" pitchFamily="49" charset="0"/>
-              <a:buChar char="o"/>
-            </a:pPr>
-            <a:r>
-              <a:rPr lang="en-US" sz="1800" dirty="0">
-                <a:latin typeface="Times New Roman" panose="02020603050405020304" pitchFamily="18" charset="0"/>
-                <a:cs typeface="Times New Roman" panose="02020603050405020304" pitchFamily="18" charset="0"/>
-              </a:rPr>
-              <a:t>Delete Article</a:t>
-            </a:r>
-          </a:p>
-          <a:p>
-            <a:pPr lvl="1">
-              <a:buClrTx/>
-              <a:buFont typeface="Wingdings" panose="05000000000000000000" pitchFamily="2" charset="2"/>
-              <a:buChar char="§"/>
-            </a:pPr>
-            <a:r>
-              <a:rPr lang="en-US" sz="2600" b="1" dirty="0">
-                <a:latin typeface="Times New Roman" panose="02020603050405020304" pitchFamily="18" charset="0"/>
-                <a:cs typeface="Times New Roman" panose="02020603050405020304" pitchFamily="18" charset="0"/>
-              </a:rPr>
-              <a:t>User Management</a:t>
-            </a:r>
-          </a:p>
-          <a:p>
-            <a:pPr lvl="3">
-              <a:buClrTx/>
-              <a:buFont typeface="Courier New" panose="02070309020205020404" pitchFamily="49" charset="0"/>
-              <a:buChar char="o"/>
-            </a:pPr>
-            <a:r>
-              <a:rPr lang="en-US" sz="1800" dirty="0">
-                <a:latin typeface="Times New Roman" panose="02020603050405020304" pitchFamily="18" charset="0"/>
-                <a:cs typeface="Times New Roman" panose="02020603050405020304" pitchFamily="18" charset="0"/>
-              </a:rPr>
-              <a:t>Register</a:t>
-            </a:r>
-          </a:p>
-          <a:p>
-            <a:pPr lvl="3">
-              <a:buClrTx/>
-              <a:buFont typeface="Courier New" panose="02070309020205020404" pitchFamily="49" charset="0"/>
-              <a:buChar char="o"/>
-            </a:pPr>
-            <a:r>
-              <a:rPr lang="en-US" sz="1800" dirty="0">
-                <a:latin typeface="Times New Roman" panose="02020603050405020304" pitchFamily="18" charset="0"/>
-                <a:cs typeface="Times New Roman" panose="02020603050405020304" pitchFamily="18" charset="0"/>
-              </a:rPr>
-              <a:t>Login</a:t>
-            </a:r>
-          </a:p>
-          <a:p>
-            <a:pPr lvl="3">
-              <a:buClrTx/>
-              <a:buFont typeface="Courier New" panose="02070309020205020404" pitchFamily="49" charset="0"/>
-              <a:buChar char="o"/>
-            </a:pPr>
-            <a:r>
-              <a:rPr lang="en-US" sz="1800" dirty="0">
-                <a:latin typeface="Times New Roman" panose="02020603050405020304" pitchFamily="18" charset="0"/>
-                <a:cs typeface="Times New Roman" panose="02020603050405020304" pitchFamily="18" charset="0"/>
-              </a:rPr>
-              <a:t>Update User</a:t>
-            </a:r>
-          </a:p>
-          <a:p>
-            <a:pPr lvl="3">
-              <a:buClrTx/>
-              <a:buFont typeface="Courier New" panose="02070309020205020404" pitchFamily="49" charset="0"/>
-              <a:buChar char="o"/>
-            </a:pPr>
-            <a:r>
-              <a:rPr lang="en-US" sz="1800" dirty="0">
-                <a:latin typeface="Times New Roman" panose="02020603050405020304" pitchFamily="18" charset="0"/>
-                <a:cs typeface="Times New Roman" panose="02020603050405020304" pitchFamily="18" charset="0"/>
-              </a:rPr>
-              <a:t>Delete User</a:t>
-            </a:r>
-          </a:p>
-          <a:p>
-            <a:pPr lvl="1">
-              <a:buClrTx/>
-              <a:buFont typeface="Wingdings" panose="05000000000000000000" pitchFamily="2" charset="2"/>
-              <a:buChar char="§"/>
-            </a:pPr>
-            <a:r>
-              <a:rPr lang="en-US" sz="2600" b="1" dirty="0">
-                <a:latin typeface="Times New Roman" panose="02020603050405020304" pitchFamily="18" charset="0"/>
-                <a:cs typeface="Times New Roman" panose="02020603050405020304" pitchFamily="18" charset="0"/>
-              </a:rPr>
-              <a:t>Category</a:t>
-            </a:r>
-            <a:r>
-              <a:rPr lang="en-US" sz="2400" dirty="0">
-                <a:latin typeface="Times New Roman" panose="02020603050405020304" pitchFamily="18" charset="0"/>
-                <a:cs typeface="Times New Roman" panose="02020603050405020304" pitchFamily="18" charset="0"/>
-              </a:rPr>
-              <a:t> </a:t>
-            </a:r>
-          </a:p>
-          <a:p>
-            <a:pPr lvl="3">
-              <a:buClrTx/>
-              <a:buFont typeface="Courier New" panose="02070309020205020404" pitchFamily="49" charset="0"/>
-              <a:buChar char="o"/>
-            </a:pPr>
-            <a:r>
-              <a:rPr lang="en-US" sz="1900" dirty="0">
-                <a:latin typeface="Times New Roman" panose="02020603050405020304" pitchFamily="18" charset="0"/>
-                <a:cs typeface="Times New Roman" panose="02020603050405020304" pitchFamily="18" charset="0"/>
-              </a:rPr>
-              <a:t>CRUD Category</a:t>
-            </a:r>
-          </a:p>
-          <a:p>
-            <a:endParaRPr lang="en-US" dirty="0"/>
-          </a:p>
-        </p:txBody>
-      </p:sp>
+              <a:rPr lang="en-US" sz="1800" dirty="0" smtClean="0">
+                <a:latin typeface="Times New Roman" panose="02020603050405020304" pitchFamily="18" charset="0"/>
+                <a:cs typeface="Times New Roman" panose="02020603050405020304" pitchFamily="18" charset="0"/>
+              </a:rPr>
+              <a:t>Add Category</a:t>
+            </a:r>
+            <a:endParaRPr lang="en-US" sz="1800" dirty="0" smtClean="0">
+              <a:latin typeface="Times New Roman" panose="02020603050405020304" pitchFamily="18" charset="0"/>
+              <a:cs typeface="Times New Roman" panose="02020603050405020304" pitchFamily="18" charset="0"/>
+            </a:endParaRPr>
+          </a:p>
+        </p:txBody>
+      </p:sp>
+      <p:pic>
+        <p:nvPicPr>
+          <p:cNvPr id="5" name="Picture 4"/>
+          <p:cNvPicPr>
+            <a:picLocks noChangeAspect="1"/>
+          </p:cNvPicPr>
+          <p:nvPr/>
+        </p:nvPicPr>
+        <p:blipFill>
+          <a:blip r:embed="rId2"/>
+          <a:stretch>
+            <a:fillRect/>
+          </a:stretch>
+        </p:blipFill>
+        <p:spPr>
+          <a:xfrm>
+            <a:off x="2832847" y="1737360"/>
+            <a:ext cx="9359153" cy="4615608"/>
+          </a:xfrm>
+          <a:prstGeom prst="rect">
+            <a:avLst/>
+          </a:prstGeom>
+          <a:ln>
+            <a:solidFill>
+              <a:srgbClr val="FF0000"/>
+            </a:solidFill>
+          </a:ln>
+        </p:spPr>
+      </p:pic>
     </p:spTree>
     <p:extLst>
       <p:ext uri="{BB962C8B-B14F-4D97-AF65-F5344CB8AC3E}">
-        <p14:creationId xmlns:p14="http://schemas.microsoft.com/office/powerpoint/2010/main" val="2397452163"/>
+        <p14:creationId xmlns:p14="http://schemas.microsoft.com/office/powerpoint/2010/main" val="541890878"/>
       </p:ext>
     </p:extLst>
   </p:cSld>
@@ -4820,7 +6194,405 @@
 </p:sld>
 </file>
 
-<file path=ppt/slides/slide6.xml><?xml version="1.0" encoding="utf-8"?>
+<file path=ppt/slides/slide23.xml><?xml version="1.0" encoding="utf-8"?>
+<p:sld xmlns:a="http://schemas.openxmlformats.org/drawingml/2006/main" xmlns:r="http://schemas.openxmlformats.org/officeDocument/2006/relationships" xmlns:p="http://schemas.openxmlformats.org/presentationml/2006/main">
+  <p:cSld>
+    <p:spTree>
+      <p:nvGrpSpPr>
+        <p:cNvPr id="1" name=""/>
+        <p:cNvGrpSpPr/>
+        <p:nvPr/>
+      </p:nvGrpSpPr>
+      <p:grpSpPr>
+        <a:xfrm>
+          <a:off x="0" y="0"/>
+          <a:ext cx="0" cy="0"/>
+          <a:chOff x="0" y="0"/>
+          <a:chExt cx="0" cy="0"/>
+        </a:xfrm>
+      </p:grpSpPr>
+      <p:sp>
+        <p:nvSpPr>
+          <p:cNvPr id="2" name="Title 1"/>
+          <p:cNvSpPr>
+            <a:spLocks noGrp="1"/>
+          </p:cNvSpPr>
+          <p:nvPr>
+            <p:ph type="title"/>
+          </p:nvPr>
+        </p:nvSpPr>
+        <p:spPr/>
+        <p:txBody>
+          <a:bodyPr/>
+          <a:lstStyle/>
+          <a:p>
+            <a:pPr marL="1028700" indent="-1028700">
+              <a:buFont typeface="+mj-lt"/>
+              <a:buAutoNum type="romanUcPeriod" startAt="3"/>
+            </a:pPr>
+            <a:r>
+              <a:rPr lang="en-US" b="1" dirty="0" smtClean="0">
+                <a:latin typeface="Times New Roman" panose="02020603050405020304" pitchFamily="18" charset="0"/>
+                <a:cs typeface="Times New Roman" panose="02020603050405020304" pitchFamily="18" charset="0"/>
+              </a:rPr>
+              <a:t>Project Features</a:t>
+            </a:r>
+            <a:endParaRPr lang="en-US" b="1" dirty="0">
+              <a:latin typeface="Times New Roman" panose="02020603050405020304" pitchFamily="18" charset="0"/>
+              <a:cs typeface="Times New Roman" panose="02020603050405020304" pitchFamily="18" charset="0"/>
+            </a:endParaRPr>
+          </a:p>
+        </p:txBody>
+      </p:sp>
+      <p:sp>
+        <p:nvSpPr>
+          <p:cNvPr id="3" name="Content Placeholder 2"/>
+          <p:cNvSpPr>
+            <a:spLocks noGrp="1"/>
+          </p:cNvSpPr>
+          <p:nvPr>
+            <p:ph idx="1"/>
+          </p:nvPr>
+        </p:nvSpPr>
+        <p:spPr>
+          <a:xfrm>
+            <a:off x="0" y="1858613"/>
+            <a:ext cx="10058400" cy="4023360"/>
+          </a:xfrm>
+        </p:spPr>
+        <p:txBody>
+          <a:bodyPr>
+            <a:normAutofit/>
+          </a:bodyPr>
+          <a:lstStyle/>
+          <a:p>
+            <a:pPr lvl="1">
+              <a:buClrTx/>
+              <a:buFont typeface="Wingdings" panose="05000000000000000000" pitchFamily="2" charset="2"/>
+              <a:buChar char="§"/>
+            </a:pPr>
+            <a:r>
+              <a:rPr lang="en-US" sz="2000" b="1" dirty="0" smtClean="0">
+                <a:latin typeface="Times New Roman" panose="02020603050405020304" pitchFamily="18" charset="0"/>
+                <a:cs typeface="Times New Roman" panose="02020603050405020304" pitchFamily="18" charset="0"/>
+              </a:rPr>
+              <a:t>Category Management</a:t>
+            </a:r>
+          </a:p>
+          <a:p>
+            <a:pPr lvl="3">
+              <a:buClrTx/>
+              <a:buFont typeface="Courier New" panose="02070309020205020404" pitchFamily="49" charset="0"/>
+              <a:buChar char="o"/>
+            </a:pPr>
+            <a:r>
+              <a:rPr lang="en-US" sz="1800" dirty="0" smtClean="0">
+                <a:latin typeface="Times New Roman" panose="02020603050405020304" pitchFamily="18" charset="0"/>
+                <a:cs typeface="Times New Roman" panose="02020603050405020304" pitchFamily="18" charset="0"/>
+              </a:rPr>
+              <a:t>Edit Category</a:t>
+            </a:r>
+            <a:endParaRPr lang="en-US" sz="1800" dirty="0" smtClean="0">
+              <a:latin typeface="Times New Roman" panose="02020603050405020304" pitchFamily="18" charset="0"/>
+              <a:cs typeface="Times New Roman" panose="02020603050405020304" pitchFamily="18" charset="0"/>
+            </a:endParaRPr>
+          </a:p>
+        </p:txBody>
+      </p:sp>
+      <p:pic>
+        <p:nvPicPr>
+          <p:cNvPr id="4" name="Picture 3"/>
+          <p:cNvPicPr>
+            <a:picLocks noChangeAspect="1"/>
+          </p:cNvPicPr>
+          <p:nvPr/>
+        </p:nvPicPr>
+        <p:blipFill>
+          <a:blip r:embed="rId2"/>
+          <a:stretch>
+            <a:fillRect/>
+          </a:stretch>
+        </p:blipFill>
+        <p:spPr>
+          <a:xfrm>
+            <a:off x="2886635" y="1737360"/>
+            <a:ext cx="9291918" cy="4589689"/>
+          </a:xfrm>
+          <a:prstGeom prst="rect">
+            <a:avLst/>
+          </a:prstGeom>
+          <a:ln>
+            <a:solidFill>
+              <a:srgbClr val="FF0000"/>
+            </a:solidFill>
+          </a:ln>
+        </p:spPr>
+      </p:pic>
+    </p:spTree>
+    <p:extLst>
+      <p:ext uri="{BB962C8B-B14F-4D97-AF65-F5344CB8AC3E}">
+        <p14:creationId xmlns:p14="http://schemas.microsoft.com/office/powerpoint/2010/main" val="3261545054"/>
+      </p:ext>
+    </p:extLst>
+  </p:cSld>
+  <p:clrMapOvr>
+    <a:masterClrMapping/>
+  </p:clrMapOvr>
+  <p:timing>
+    <p:tnLst>
+      <p:par>
+        <p:cTn id="1" dur="indefinite" restart="never" nodeType="tmRoot"/>
+      </p:par>
+    </p:tnLst>
+  </p:timing>
+</p:sld>
+</file>
+
+<file path=ppt/slides/slide24.xml><?xml version="1.0" encoding="utf-8"?>
+<p:sld xmlns:a="http://schemas.openxmlformats.org/drawingml/2006/main" xmlns:r="http://schemas.openxmlformats.org/officeDocument/2006/relationships" xmlns:p="http://schemas.openxmlformats.org/presentationml/2006/main">
+  <p:cSld>
+    <p:spTree>
+      <p:nvGrpSpPr>
+        <p:cNvPr id="1" name=""/>
+        <p:cNvGrpSpPr/>
+        <p:nvPr/>
+      </p:nvGrpSpPr>
+      <p:grpSpPr>
+        <a:xfrm>
+          <a:off x="0" y="0"/>
+          <a:ext cx="0" cy="0"/>
+          <a:chOff x="0" y="0"/>
+          <a:chExt cx="0" cy="0"/>
+        </a:xfrm>
+      </p:grpSpPr>
+      <p:sp>
+        <p:nvSpPr>
+          <p:cNvPr id="2" name="Title 1"/>
+          <p:cNvSpPr>
+            <a:spLocks noGrp="1"/>
+          </p:cNvSpPr>
+          <p:nvPr>
+            <p:ph type="title"/>
+          </p:nvPr>
+        </p:nvSpPr>
+        <p:spPr/>
+        <p:txBody>
+          <a:bodyPr/>
+          <a:lstStyle/>
+          <a:p>
+            <a:pPr marL="1028700" indent="-1028700">
+              <a:buFont typeface="+mj-lt"/>
+              <a:buAutoNum type="romanUcPeriod" startAt="3"/>
+            </a:pPr>
+            <a:r>
+              <a:rPr lang="en-US" b="1" dirty="0" smtClean="0">
+                <a:latin typeface="Times New Roman" panose="02020603050405020304" pitchFamily="18" charset="0"/>
+                <a:cs typeface="Times New Roman" panose="02020603050405020304" pitchFamily="18" charset="0"/>
+              </a:rPr>
+              <a:t>Project Features</a:t>
+            </a:r>
+            <a:endParaRPr lang="en-US" b="1" dirty="0">
+              <a:latin typeface="Times New Roman" panose="02020603050405020304" pitchFamily="18" charset="0"/>
+              <a:cs typeface="Times New Roman" panose="02020603050405020304" pitchFamily="18" charset="0"/>
+            </a:endParaRPr>
+          </a:p>
+        </p:txBody>
+      </p:sp>
+      <p:sp>
+        <p:nvSpPr>
+          <p:cNvPr id="3" name="Content Placeholder 2"/>
+          <p:cNvSpPr>
+            <a:spLocks noGrp="1"/>
+          </p:cNvSpPr>
+          <p:nvPr>
+            <p:ph idx="1"/>
+          </p:nvPr>
+        </p:nvSpPr>
+        <p:spPr>
+          <a:xfrm>
+            <a:off x="0" y="1858613"/>
+            <a:ext cx="10058400" cy="4023360"/>
+          </a:xfrm>
+        </p:spPr>
+        <p:txBody>
+          <a:bodyPr>
+            <a:normAutofit/>
+          </a:bodyPr>
+          <a:lstStyle/>
+          <a:p>
+            <a:pPr lvl="1">
+              <a:buClrTx/>
+              <a:buFont typeface="Wingdings" panose="05000000000000000000" pitchFamily="2" charset="2"/>
+              <a:buChar char="§"/>
+            </a:pPr>
+            <a:r>
+              <a:rPr lang="en-US" sz="2000" b="1" dirty="0" smtClean="0">
+                <a:latin typeface="Times New Roman" panose="02020603050405020304" pitchFamily="18" charset="0"/>
+                <a:cs typeface="Times New Roman" panose="02020603050405020304" pitchFamily="18" charset="0"/>
+              </a:rPr>
+              <a:t>Category Management</a:t>
+            </a:r>
+          </a:p>
+          <a:p>
+            <a:pPr lvl="3">
+              <a:buClrTx/>
+              <a:buFont typeface="Courier New" panose="02070309020205020404" pitchFamily="49" charset="0"/>
+              <a:buChar char="o"/>
+            </a:pPr>
+            <a:r>
+              <a:rPr lang="en-US" sz="1800" dirty="0" smtClean="0">
+                <a:latin typeface="Times New Roman" panose="02020603050405020304" pitchFamily="18" charset="0"/>
+                <a:cs typeface="Times New Roman" panose="02020603050405020304" pitchFamily="18" charset="0"/>
+              </a:rPr>
+              <a:t>Delete Category</a:t>
+            </a:r>
+          </a:p>
+        </p:txBody>
+      </p:sp>
+      <p:pic>
+        <p:nvPicPr>
+          <p:cNvPr id="5" name="Picture 4"/>
+          <p:cNvPicPr>
+            <a:picLocks noChangeAspect="1"/>
+          </p:cNvPicPr>
+          <p:nvPr/>
+        </p:nvPicPr>
+        <p:blipFill>
+          <a:blip r:embed="rId2"/>
+          <a:stretch>
+            <a:fillRect/>
+          </a:stretch>
+        </p:blipFill>
+        <p:spPr>
+          <a:xfrm>
+            <a:off x="2846294" y="1737360"/>
+            <a:ext cx="9345706" cy="4606624"/>
+          </a:xfrm>
+          <a:prstGeom prst="rect">
+            <a:avLst/>
+          </a:prstGeom>
+          <a:ln>
+            <a:solidFill>
+              <a:srgbClr val="FF0000"/>
+            </a:solidFill>
+          </a:ln>
+        </p:spPr>
+      </p:pic>
+    </p:spTree>
+    <p:extLst>
+      <p:ext uri="{BB962C8B-B14F-4D97-AF65-F5344CB8AC3E}">
+        <p14:creationId xmlns:p14="http://schemas.microsoft.com/office/powerpoint/2010/main" val="3499324472"/>
+      </p:ext>
+    </p:extLst>
+  </p:cSld>
+  <p:clrMapOvr>
+    <a:masterClrMapping/>
+  </p:clrMapOvr>
+  <p:timing>
+    <p:tnLst>
+      <p:par>
+        <p:cTn id="1" dur="indefinite" restart="never" nodeType="tmRoot"/>
+      </p:par>
+    </p:tnLst>
+  </p:timing>
+</p:sld>
+</file>
+
+<file path=ppt/slides/slide25.xml><?xml version="1.0" encoding="utf-8"?>
+<p:sld xmlns:a="http://schemas.openxmlformats.org/drawingml/2006/main" xmlns:r="http://schemas.openxmlformats.org/officeDocument/2006/relationships" xmlns:p="http://schemas.openxmlformats.org/presentationml/2006/main">
+  <p:cSld>
+    <p:spTree>
+      <p:nvGrpSpPr>
+        <p:cNvPr id="1" name=""/>
+        <p:cNvGrpSpPr/>
+        <p:nvPr/>
+      </p:nvGrpSpPr>
+      <p:grpSpPr>
+        <a:xfrm>
+          <a:off x="0" y="0"/>
+          <a:ext cx="0" cy="0"/>
+          <a:chOff x="0" y="0"/>
+          <a:chExt cx="0" cy="0"/>
+        </a:xfrm>
+      </p:grpSpPr>
+      <p:sp>
+        <p:nvSpPr>
+          <p:cNvPr id="2" name="Title 1"/>
+          <p:cNvSpPr>
+            <a:spLocks noGrp="1"/>
+          </p:cNvSpPr>
+          <p:nvPr>
+            <p:ph type="title"/>
+          </p:nvPr>
+        </p:nvSpPr>
+        <p:spPr/>
+        <p:txBody>
+          <a:bodyPr/>
+          <a:lstStyle/>
+          <a:p>
+            <a:pPr marL="1028700" indent="-1028700">
+              <a:buFont typeface="+mj-lt"/>
+              <a:buAutoNum type="romanUcPeriod" startAt="3"/>
+            </a:pPr>
+            <a:r>
+              <a:rPr lang="en-US" b="1" dirty="0" smtClean="0">
+                <a:latin typeface="Times New Roman" panose="02020603050405020304" pitchFamily="18" charset="0"/>
+                <a:cs typeface="Times New Roman" panose="02020603050405020304" pitchFamily="18" charset="0"/>
+              </a:rPr>
+              <a:t>Sitemap</a:t>
+            </a:r>
+            <a:endParaRPr lang="en-US" b="1" dirty="0">
+              <a:latin typeface="Times New Roman" panose="02020603050405020304" pitchFamily="18" charset="0"/>
+              <a:cs typeface="Times New Roman" panose="02020603050405020304" pitchFamily="18" charset="0"/>
+            </a:endParaRPr>
+          </a:p>
+        </p:txBody>
+      </p:sp>
+      <p:pic>
+        <p:nvPicPr>
+          <p:cNvPr id="6" name="Picture 5"/>
+          <p:cNvPicPr>
+            <a:picLocks noChangeAspect="1"/>
+          </p:cNvPicPr>
+          <p:nvPr/>
+        </p:nvPicPr>
+        <p:blipFill>
+          <a:blip r:embed="rId2"/>
+          <a:stretch>
+            <a:fillRect/>
+          </a:stretch>
+        </p:blipFill>
+        <p:spPr>
+          <a:xfrm>
+            <a:off x="1562363" y="1735375"/>
+            <a:ext cx="9128234" cy="5122625"/>
+          </a:xfrm>
+          <a:prstGeom prst="rect">
+            <a:avLst/>
+          </a:prstGeom>
+        </p:spPr>
+      </p:pic>
+    </p:spTree>
+    <p:extLst>
+      <p:ext uri="{BB962C8B-B14F-4D97-AF65-F5344CB8AC3E}">
+        <p14:creationId xmlns:p14="http://schemas.microsoft.com/office/powerpoint/2010/main" val="3617468198"/>
+      </p:ext>
+    </p:extLst>
+  </p:cSld>
+  <p:clrMapOvr>
+    <a:masterClrMapping/>
+  </p:clrMapOvr>
+  <p:timing>
+    <p:tnLst>
+      <p:par>
+        <p:cTn id="1" dur="indefinite" restart="never" nodeType="tmRoot"/>
+      </p:par>
+    </p:tnLst>
+  </p:timing>
+</p:sld>
+</file>
+
+<file path=ppt/slides/slide26.xml><?xml version="1.0" encoding="utf-8"?>
 <p:sld xmlns:a="http://schemas.openxmlformats.org/drawingml/2006/main" xmlns:r="http://schemas.openxmlformats.org/officeDocument/2006/relationships" xmlns:p="http://schemas.openxmlformats.org/presentationml/2006/main">
   <p:cSld>
     <p:spTree>
@@ -4966,7 +6738,7 @@
 </p:sld>
 </file>
 
-<file path=ppt/slides/slide7.xml><?xml version="1.0" encoding="utf-8"?>
+<file path=ppt/slides/slide27.xml><?xml version="1.0" encoding="utf-8"?>
 <p:sld xmlns:a="http://schemas.openxmlformats.org/drawingml/2006/main" xmlns:r="http://schemas.openxmlformats.org/officeDocument/2006/relationships" xmlns:p="http://schemas.openxmlformats.org/presentationml/2006/main">
   <p:cSld>
     <p:spTree>
@@ -5060,7 +6832,7 @@
 </p:sld>
 </file>
 
-<file path=ppt/slides/slide8.xml><?xml version="1.0" encoding="utf-8"?>
+<file path=ppt/slides/slide28.xml><?xml version="1.0" encoding="utf-8"?>
 <p:sld xmlns:a="http://schemas.openxmlformats.org/drawingml/2006/main" xmlns:r="http://schemas.openxmlformats.org/officeDocument/2006/relationships" xmlns:p="http://schemas.openxmlformats.org/presentationml/2006/main">
   <p:cSld>
     <p:spTree>
@@ -5122,6 +6894,1138 @@
     <p:extLst>
       <p:ext uri="{BB962C8B-B14F-4D97-AF65-F5344CB8AC3E}">
         <p14:creationId xmlns:p14="http://schemas.microsoft.com/office/powerpoint/2010/main" val="4000719508"/>
+      </p:ext>
+    </p:extLst>
+  </p:cSld>
+  <p:clrMapOvr>
+    <a:masterClrMapping/>
+  </p:clrMapOvr>
+  <p:timing>
+    <p:tnLst>
+      <p:par>
+        <p:cTn id="1" dur="indefinite" restart="never" nodeType="tmRoot"/>
+      </p:par>
+    </p:tnLst>
+  </p:timing>
+</p:sld>
+</file>
+
+<file path=ppt/slides/slide3.xml><?xml version="1.0" encoding="utf-8"?>
+<p:sld xmlns:a="http://schemas.openxmlformats.org/drawingml/2006/main" xmlns:r="http://schemas.openxmlformats.org/officeDocument/2006/relationships" xmlns:p="http://schemas.openxmlformats.org/presentationml/2006/main">
+  <p:cSld>
+    <p:spTree>
+      <p:nvGrpSpPr>
+        <p:cNvPr id="1" name=""/>
+        <p:cNvGrpSpPr/>
+        <p:nvPr/>
+      </p:nvGrpSpPr>
+      <p:grpSpPr>
+        <a:xfrm>
+          <a:off x="0" y="0"/>
+          <a:ext cx="0" cy="0"/>
+          <a:chOff x="0" y="0"/>
+          <a:chExt cx="0" cy="0"/>
+        </a:xfrm>
+      </p:grpSpPr>
+      <p:sp>
+        <p:nvSpPr>
+          <p:cNvPr id="2" name="Title 1"/>
+          <p:cNvSpPr>
+            <a:spLocks noGrp="1"/>
+          </p:cNvSpPr>
+          <p:nvPr>
+            <p:ph type="title"/>
+          </p:nvPr>
+        </p:nvSpPr>
+        <p:spPr/>
+        <p:txBody>
+          <a:bodyPr/>
+          <a:lstStyle/>
+          <a:p>
+            <a:pPr marL="1028700" indent="-1028700">
+              <a:buFont typeface="+mj-lt"/>
+              <a:buAutoNum type="romanUcPeriod"/>
+            </a:pPr>
+            <a:r>
+              <a:rPr lang="en-US" b="1" dirty="0" smtClean="0">
+                <a:latin typeface="Times New Roman" panose="02020603050405020304" pitchFamily="18" charset="0"/>
+                <a:cs typeface="Times New Roman" panose="02020603050405020304" pitchFamily="18" charset="0"/>
+              </a:rPr>
+              <a:t>Introduction</a:t>
+            </a:r>
+            <a:endParaRPr lang="en-US" b="1" dirty="0">
+              <a:latin typeface="Times New Roman" panose="02020603050405020304" pitchFamily="18" charset="0"/>
+              <a:cs typeface="Times New Roman" panose="02020603050405020304" pitchFamily="18" charset="0"/>
+            </a:endParaRPr>
+          </a:p>
+        </p:txBody>
+      </p:sp>
+      <p:sp>
+        <p:nvSpPr>
+          <p:cNvPr id="3" name="Content Placeholder 2"/>
+          <p:cNvSpPr>
+            <a:spLocks noGrp="1"/>
+          </p:cNvSpPr>
+          <p:nvPr>
+            <p:ph idx="1"/>
+          </p:nvPr>
+        </p:nvSpPr>
+        <p:spPr/>
+        <p:txBody>
+          <a:bodyPr/>
+          <a:lstStyle/>
+          <a:p>
+            <a:pPr lvl="1">
+              <a:buClrTx/>
+              <a:buFont typeface="Wingdings" panose="05000000000000000000" pitchFamily="2" charset="2"/>
+              <a:buChar char="§"/>
+            </a:pPr>
+            <a:r>
+              <a:rPr lang="en-US" sz="2400" b="1" dirty="0" smtClean="0">
+                <a:latin typeface="Times New Roman" panose="02020603050405020304" pitchFamily="18" charset="0"/>
+                <a:cs typeface="Times New Roman" panose="02020603050405020304" pitchFamily="18" charset="0"/>
+              </a:rPr>
+              <a:t>Description</a:t>
+            </a:r>
+            <a:r>
+              <a:rPr lang="en-US" sz="2400" dirty="0" smtClean="0">
+                <a:latin typeface="Times New Roman" panose="02020603050405020304" pitchFamily="18" charset="0"/>
+                <a:cs typeface="Times New Roman" panose="02020603050405020304" pitchFamily="18" charset="0"/>
+              </a:rPr>
+              <a:t>: Article Post is a project to share about the news related to Entertainments, Sports, Technologies and Socials.  </a:t>
+            </a:r>
+          </a:p>
+          <a:p>
+            <a:pPr lvl="1">
+              <a:buClrTx/>
+              <a:buFont typeface="Wingdings" panose="05000000000000000000" pitchFamily="2" charset="2"/>
+              <a:buChar char="§"/>
+            </a:pPr>
+            <a:r>
+              <a:rPr lang="en-US" sz="2400" b="1" dirty="0" smtClean="0">
+                <a:latin typeface="Times New Roman" panose="02020603050405020304" pitchFamily="18" charset="0"/>
+                <a:cs typeface="Times New Roman" panose="02020603050405020304" pitchFamily="18" charset="0"/>
+              </a:rPr>
+              <a:t>Technologies:</a:t>
+            </a:r>
+          </a:p>
+          <a:p>
+            <a:pPr lvl="3">
+              <a:buClrTx/>
+              <a:buFont typeface="Arial" panose="020B0604020202020204" pitchFamily="34" charset="0"/>
+              <a:buChar char="•"/>
+            </a:pPr>
+            <a:r>
+              <a:rPr lang="en-US" sz="1800" dirty="0" smtClean="0">
+                <a:latin typeface="Times New Roman" panose="02020603050405020304" pitchFamily="18" charset="0"/>
+                <a:cs typeface="Times New Roman" panose="02020603050405020304" pitchFamily="18" charset="0"/>
+              </a:rPr>
+              <a:t>PHP Framework (</a:t>
+            </a:r>
+            <a:r>
+              <a:rPr lang="en-US" sz="1800" dirty="0" err="1" smtClean="0">
+                <a:latin typeface="Times New Roman" panose="02020603050405020304" pitchFamily="18" charset="0"/>
+                <a:cs typeface="Times New Roman" panose="02020603050405020304" pitchFamily="18" charset="0"/>
+              </a:rPr>
+              <a:t>Laravel</a:t>
+            </a:r>
+            <a:r>
+              <a:rPr lang="en-US" sz="1800" dirty="0" smtClean="0">
+                <a:latin typeface="Times New Roman" panose="02020603050405020304" pitchFamily="18" charset="0"/>
+                <a:cs typeface="Times New Roman" panose="02020603050405020304" pitchFamily="18" charset="0"/>
+              </a:rPr>
+              <a:t>)</a:t>
+            </a:r>
+          </a:p>
+          <a:p>
+            <a:pPr lvl="3">
+              <a:buClrTx/>
+              <a:buFont typeface="Arial" panose="020B0604020202020204" pitchFamily="34" charset="0"/>
+              <a:buChar char="•"/>
+            </a:pPr>
+            <a:r>
+              <a:rPr lang="en-US" sz="1800" dirty="0" smtClean="0">
+                <a:latin typeface="Times New Roman" panose="02020603050405020304" pitchFamily="18" charset="0"/>
+                <a:cs typeface="Times New Roman" panose="02020603050405020304" pitchFamily="18" charset="0"/>
+              </a:rPr>
+              <a:t>Bootstrap 4</a:t>
+            </a:r>
+          </a:p>
+          <a:p>
+            <a:pPr lvl="3">
+              <a:buClrTx/>
+              <a:buFont typeface="Arial" panose="020B0604020202020204" pitchFamily="34" charset="0"/>
+              <a:buChar char="•"/>
+            </a:pPr>
+            <a:r>
+              <a:rPr lang="en-US" sz="1800" dirty="0" smtClean="0">
+                <a:latin typeface="Times New Roman" panose="02020603050405020304" pitchFamily="18" charset="0"/>
+                <a:cs typeface="Times New Roman" panose="02020603050405020304" pitchFamily="18" charset="0"/>
+              </a:rPr>
+              <a:t>MySQL Database</a:t>
+            </a:r>
+          </a:p>
+          <a:p>
+            <a:pPr lvl="1">
+              <a:buClrTx/>
+              <a:buFont typeface="Wingdings" panose="05000000000000000000" pitchFamily="2" charset="2"/>
+              <a:buChar char="§"/>
+            </a:pPr>
+            <a:endParaRPr lang="en-US" dirty="0" smtClean="0"/>
+          </a:p>
+          <a:p>
+            <a:endParaRPr lang="en-US" dirty="0"/>
+          </a:p>
+          <a:p>
+            <a:endParaRPr lang="en-US" dirty="0" smtClean="0"/>
+          </a:p>
+          <a:p>
+            <a:endParaRPr lang="en-US" dirty="0"/>
+          </a:p>
+          <a:p>
+            <a:endParaRPr lang="en-US" dirty="0" smtClean="0"/>
+          </a:p>
+          <a:p>
+            <a:endParaRPr lang="en-US" dirty="0"/>
+          </a:p>
+        </p:txBody>
+      </p:sp>
+    </p:spTree>
+    <p:extLst>
+      <p:ext uri="{BB962C8B-B14F-4D97-AF65-F5344CB8AC3E}">
+        <p14:creationId xmlns:p14="http://schemas.microsoft.com/office/powerpoint/2010/main" val="2932290493"/>
+      </p:ext>
+    </p:extLst>
+  </p:cSld>
+  <p:clrMapOvr>
+    <a:masterClrMapping/>
+  </p:clrMapOvr>
+  <p:timing>
+    <p:tnLst>
+      <p:par>
+        <p:cTn id="1" dur="indefinite" restart="never" nodeType="tmRoot"/>
+      </p:par>
+    </p:tnLst>
+  </p:timing>
+</p:sld>
+</file>
+
+<file path=ppt/slides/slide4.xml><?xml version="1.0" encoding="utf-8"?>
+<p:sld xmlns:a="http://schemas.openxmlformats.org/drawingml/2006/main" xmlns:r="http://schemas.openxmlformats.org/officeDocument/2006/relationships" xmlns:p="http://schemas.openxmlformats.org/presentationml/2006/main">
+  <p:cSld>
+    <p:spTree>
+      <p:nvGrpSpPr>
+        <p:cNvPr id="1" name=""/>
+        <p:cNvGrpSpPr/>
+        <p:nvPr/>
+      </p:nvGrpSpPr>
+      <p:grpSpPr>
+        <a:xfrm>
+          <a:off x="0" y="0"/>
+          <a:ext cx="0" cy="0"/>
+          <a:chOff x="0" y="0"/>
+          <a:chExt cx="0" cy="0"/>
+        </a:xfrm>
+      </p:grpSpPr>
+      <p:sp>
+        <p:nvSpPr>
+          <p:cNvPr id="2" name="Title 1"/>
+          <p:cNvSpPr>
+            <a:spLocks noGrp="1"/>
+          </p:cNvSpPr>
+          <p:nvPr>
+            <p:ph type="title"/>
+          </p:nvPr>
+        </p:nvSpPr>
+        <p:spPr/>
+        <p:txBody>
+          <a:bodyPr/>
+          <a:lstStyle/>
+          <a:p>
+            <a:pPr marL="1028700" indent="-1028700">
+              <a:buFont typeface="+mj-lt"/>
+              <a:buAutoNum type="romanUcPeriod" startAt="2"/>
+            </a:pPr>
+            <a:r>
+              <a:rPr lang="en-US" b="1" dirty="0" smtClean="0">
+                <a:latin typeface="Times New Roman" panose="02020603050405020304" pitchFamily="18" charset="0"/>
+                <a:cs typeface="Times New Roman" panose="02020603050405020304" pitchFamily="18" charset="0"/>
+              </a:rPr>
+              <a:t>Project Scope</a:t>
+            </a:r>
+            <a:endParaRPr lang="en-US" b="1" dirty="0">
+              <a:latin typeface="Times New Roman" panose="02020603050405020304" pitchFamily="18" charset="0"/>
+              <a:cs typeface="Times New Roman" panose="02020603050405020304" pitchFamily="18" charset="0"/>
+            </a:endParaRPr>
+          </a:p>
+        </p:txBody>
+      </p:sp>
+      <p:sp>
+        <p:nvSpPr>
+          <p:cNvPr id="4" name="Content Placeholder 2"/>
+          <p:cNvSpPr>
+            <a:spLocks noGrp="1"/>
+          </p:cNvSpPr>
+          <p:nvPr>
+            <p:ph idx="1"/>
+          </p:nvPr>
+        </p:nvSpPr>
+        <p:spPr>
+          <a:xfrm>
+            <a:off x="1097280" y="1845734"/>
+            <a:ext cx="10058400" cy="4023360"/>
+          </a:xfrm>
+        </p:spPr>
+        <p:txBody>
+          <a:bodyPr/>
+          <a:lstStyle/>
+          <a:p>
+            <a:pPr lvl="1">
+              <a:buClrTx/>
+              <a:buFont typeface="Wingdings" panose="05000000000000000000" pitchFamily="2" charset="2"/>
+              <a:buChar char="§"/>
+            </a:pPr>
+            <a:r>
+              <a:rPr lang="en-US" sz="2400" b="1" dirty="0" smtClean="0">
+                <a:latin typeface="Times New Roman" panose="02020603050405020304" pitchFamily="18" charset="0"/>
+                <a:cs typeface="Times New Roman" panose="02020603050405020304" pitchFamily="18" charset="0"/>
+              </a:rPr>
+              <a:t>Guest</a:t>
+            </a:r>
+            <a:r>
+              <a:rPr lang="en-US" dirty="0" smtClean="0">
+                <a:latin typeface="Times New Roman" panose="02020603050405020304" pitchFamily="18" charset="0"/>
+                <a:cs typeface="Times New Roman" panose="02020603050405020304" pitchFamily="18" charset="0"/>
+              </a:rPr>
+              <a:t>: Not require to login into our system they can view the articles post with the different categories and click for more detail for each post. </a:t>
+            </a:r>
+          </a:p>
+          <a:p>
+            <a:pPr lvl="1">
+              <a:buClrTx/>
+              <a:buFont typeface="Wingdings" panose="05000000000000000000" pitchFamily="2" charset="2"/>
+              <a:buChar char="§"/>
+            </a:pPr>
+            <a:r>
+              <a:rPr lang="en-US" sz="2400" b="1" dirty="0" smtClean="0">
+                <a:latin typeface="Times New Roman" panose="02020603050405020304" pitchFamily="18" charset="0"/>
+                <a:cs typeface="Times New Roman" panose="02020603050405020304" pitchFamily="18" charset="0"/>
+              </a:rPr>
+              <a:t>Admin User</a:t>
+            </a:r>
+            <a:r>
+              <a:rPr lang="en-US" dirty="0" smtClean="0">
+                <a:latin typeface="Times New Roman" panose="02020603050405020304" pitchFamily="18" charset="0"/>
+                <a:cs typeface="Times New Roman" panose="02020603050405020304" pitchFamily="18" charset="0"/>
+              </a:rPr>
+              <a:t>: require to login into our system with the Email &amp; Password then they can work on Articles Management, User Management and Categories Management.</a:t>
+            </a:r>
+          </a:p>
+          <a:p>
+            <a:endParaRPr lang="en-US" dirty="0"/>
+          </a:p>
+          <a:p>
+            <a:endParaRPr lang="en-US" dirty="0" smtClean="0"/>
+          </a:p>
+          <a:p>
+            <a:endParaRPr lang="en-US" dirty="0"/>
+          </a:p>
+          <a:p>
+            <a:endParaRPr lang="en-US" dirty="0" smtClean="0"/>
+          </a:p>
+          <a:p>
+            <a:endParaRPr lang="en-US" dirty="0"/>
+          </a:p>
+        </p:txBody>
+      </p:sp>
+    </p:spTree>
+    <p:extLst>
+      <p:ext uri="{BB962C8B-B14F-4D97-AF65-F5344CB8AC3E}">
+        <p14:creationId xmlns:p14="http://schemas.microsoft.com/office/powerpoint/2010/main" val="948102065"/>
+      </p:ext>
+    </p:extLst>
+  </p:cSld>
+  <p:clrMapOvr>
+    <a:masterClrMapping/>
+  </p:clrMapOvr>
+  <p:timing>
+    <p:tnLst>
+      <p:par>
+        <p:cTn id="1" dur="indefinite" restart="never" nodeType="tmRoot"/>
+      </p:par>
+    </p:tnLst>
+  </p:timing>
+</p:sld>
+</file>
+
+<file path=ppt/slides/slide5.xml><?xml version="1.0" encoding="utf-8"?>
+<p:sld xmlns:a="http://schemas.openxmlformats.org/drawingml/2006/main" xmlns:r="http://schemas.openxmlformats.org/officeDocument/2006/relationships" xmlns:p="http://schemas.openxmlformats.org/presentationml/2006/main">
+  <p:cSld>
+    <p:spTree>
+      <p:nvGrpSpPr>
+        <p:cNvPr id="1" name=""/>
+        <p:cNvGrpSpPr/>
+        <p:nvPr/>
+      </p:nvGrpSpPr>
+      <p:grpSpPr>
+        <a:xfrm>
+          <a:off x="0" y="0"/>
+          <a:ext cx="0" cy="0"/>
+          <a:chOff x="0" y="0"/>
+          <a:chExt cx="0" cy="0"/>
+        </a:xfrm>
+      </p:grpSpPr>
+      <p:sp>
+        <p:nvSpPr>
+          <p:cNvPr id="2" name="Title 1"/>
+          <p:cNvSpPr>
+            <a:spLocks noGrp="1"/>
+          </p:cNvSpPr>
+          <p:nvPr>
+            <p:ph type="title"/>
+          </p:nvPr>
+        </p:nvSpPr>
+        <p:spPr/>
+        <p:txBody>
+          <a:bodyPr/>
+          <a:lstStyle/>
+          <a:p>
+            <a:pPr marL="1028700" indent="-1028700">
+              <a:buFont typeface="+mj-lt"/>
+              <a:buAutoNum type="romanUcPeriod" startAt="3"/>
+            </a:pPr>
+            <a:r>
+              <a:rPr lang="en-US" b="1" dirty="0" smtClean="0">
+                <a:latin typeface="Times New Roman" panose="02020603050405020304" pitchFamily="18" charset="0"/>
+                <a:cs typeface="Times New Roman" panose="02020603050405020304" pitchFamily="18" charset="0"/>
+              </a:rPr>
+              <a:t>Project Features</a:t>
+            </a:r>
+            <a:endParaRPr lang="en-US" b="1" dirty="0">
+              <a:latin typeface="Times New Roman" panose="02020603050405020304" pitchFamily="18" charset="0"/>
+              <a:cs typeface="Times New Roman" panose="02020603050405020304" pitchFamily="18" charset="0"/>
+            </a:endParaRPr>
+          </a:p>
+        </p:txBody>
+      </p:sp>
+      <p:sp>
+        <p:nvSpPr>
+          <p:cNvPr id="3" name="Content Placeholder 2"/>
+          <p:cNvSpPr>
+            <a:spLocks noGrp="1"/>
+          </p:cNvSpPr>
+          <p:nvPr>
+            <p:ph idx="1"/>
+          </p:nvPr>
+        </p:nvSpPr>
+        <p:spPr>
+          <a:xfrm>
+            <a:off x="0" y="1858613"/>
+            <a:ext cx="10058400" cy="4023360"/>
+          </a:xfrm>
+        </p:spPr>
+        <p:txBody>
+          <a:bodyPr>
+            <a:normAutofit/>
+          </a:bodyPr>
+          <a:lstStyle/>
+          <a:p>
+            <a:pPr lvl="1">
+              <a:buClrTx/>
+              <a:buFont typeface="Wingdings" panose="05000000000000000000" pitchFamily="2" charset="2"/>
+              <a:buChar char="§"/>
+            </a:pPr>
+            <a:r>
+              <a:rPr lang="en-US" sz="2000" b="1" dirty="0" smtClean="0">
+                <a:latin typeface="Times New Roman" panose="02020603050405020304" pitchFamily="18" charset="0"/>
+                <a:cs typeface="Times New Roman" panose="02020603050405020304" pitchFamily="18" charset="0"/>
+              </a:rPr>
+              <a:t>Article List</a:t>
+            </a:r>
+            <a:endParaRPr lang="en-US" sz="2000" b="1" dirty="0">
+              <a:latin typeface="Times New Roman" panose="02020603050405020304" pitchFamily="18" charset="0"/>
+              <a:cs typeface="Times New Roman" panose="02020603050405020304" pitchFamily="18" charset="0"/>
+            </a:endParaRPr>
+          </a:p>
+          <a:p>
+            <a:pPr lvl="3">
+              <a:buClrTx/>
+              <a:buFont typeface="Courier New" panose="02070309020205020404" pitchFamily="49" charset="0"/>
+              <a:buChar char="o"/>
+            </a:pPr>
+            <a:r>
+              <a:rPr lang="en-US" sz="1800" dirty="0" smtClean="0">
+                <a:latin typeface="Times New Roman" panose="02020603050405020304" pitchFamily="18" charset="0"/>
+                <a:cs typeface="Times New Roman" panose="02020603050405020304" pitchFamily="18" charset="0"/>
+              </a:rPr>
+              <a:t>Home Article</a:t>
+            </a:r>
+          </a:p>
+        </p:txBody>
+      </p:sp>
+      <p:pic>
+        <p:nvPicPr>
+          <p:cNvPr id="5" name="Picture 4"/>
+          <p:cNvPicPr>
+            <a:picLocks noChangeAspect="1"/>
+          </p:cNvPicPr>
+          <p:nvPr/>
+        </p:nvPicPr>
+        <p:blipFill>
+          <a:blip r:embed="rId2"/>
+          <a:stretch>
+            <a:fillRect/>
+          </a:stretch>
+        </p:blipFill>
+        <p:spPr>
+          <a:xfrm>
+            <a:off x="2873188" y="1737360"/>
+            <a:ext cx="9318812" cy="4605568"/>
+          </a:xfrm>
+          <a:prstGeom prst="rect">
+            <a:avLst/>
+          </a:prstGeom>
+          <a:ln>
+            <a:solidFill>
+              <a:srgbClr val="FF0000"/>
+            </a:solidFill>
+          </a:ln>
+        </p:spPr>
+      </p:pic>
+    </p:spTree>
+    <p:extLst>
+      <p:ext uri="{BB962C8B-B14F-4D97-AF65-F5344CB8AC3E}">
+        <p14:creationId xmlns:p14="http://schemas.microsoft.com/office/powerpoint/2010/main" val="2397452163"/>
+      </p:ext>
+    </p:extLst>
+  </p:cSld>
+  <p:clrMapOvr>
+    <a:masterClrMapping/>
+  </p:clrMapOvr>
+  <p:timing>
+    <p:tnLst>
+      <p:par>
+        <p:cTn id="1" dur="indefinite" restart="never" nodeType="tmRoot"/>
+      </p:par>
+    </p:tnLst>
+  </p:timing>
+</p:sld>
+</file>
+
+<file path=ppt/slides/slide6.xml><?xml version="1.0" encoding="utf-8"?>
+<p:sld xmlns:a="http://schemas.openxmlformats.org/drawingml/2006/main" xmlns:r="http://schemas.openxmlformats.org/officeDocument/2006/relationships" xmlns:p="http://schemas.openxmlformats.org/presentationml/2006/main">
+  <p:cSld>
+    <p:spTree>
+      <p:nvGrpSpPr>
+        <p:cNvPr id="1" name=""/>
+        <p:cNvGrpSpPr/>
+        <p:nvPr/>
+      </p:nvGrpSpPr>
+      <p:grpSpPr>
+        <a:xfrm>
+          <a:off x="0" y="0"/>
+          <a:ext cx="0" cy="0"/>
+          <a:chOff x="0" y="0"/>
+          <a:chExt cx="0" cy="0"/>
+        </a:xfrm>
+      </p:grpSpPr>
+      <p:sp>
+        <p:nvSpPr>
+          <p:cNvPr id="2" name="Title 1"/>
+          <p:cNvSpPr>
+            <a:spLocks noGrp="1"/>
+          </p:cNvSpPr>
+          <p:nvPr>
+            <p:ph type="title"/>
+          </p:nvPr>
+        </p:nvSpPr>
+        <p:spPr/>
+        <p:txBody>
+          <a:bodyPr/>
+          <a:lstStyle/>
+          <a:p>
+            <a:pPr marL="1028700" indent="-1028700">
+              <a:buFont typeface="+mj-lt"/>
+              <a:buAutoNum type="romanUcPeriod" startAt="3"/>
+            </a:pPr>
+            <a:r>
+              <a:rPr lang="en-US" b="1" dirty="0" smtClean="0">
+                <a:latin typeface="Times New Roman" panose="02020603050405020304" pitchFamily="18" charset="0"/>
+                <a:cs typeface="Times New Roman" panose="02020603050405020304" pitchFamily="18" charset="0"/>
+              </a:rPr>
+              <a:t>Project Features</a:t>
+            </a:r>
+            <a:endParaRPr lang="en-US" b="1" dirty="0">
+              <a:latin typeface="Times New Roman" panose="02020603050405020304" pitchFamily="18" charset="0"/>
+              <a:cs typeface="Times New Roman" panose="02020603050405020304" pitchFamily="18" charset="0"/>
+            </a:endParaRPr>
+          </a:p>
+        </p:txBody>
+      </p:sp>
+      <p:sp>
+        <p:nvSpPr>
+          <p:cNvPr id="3" name="Content Placeholder 2"/>
+          <p:cNvSpPr>
+            <a:spLocks noGrp="1"/>
+          </p:cNvSpPr>
+          <p:nvPr>
+            <p:ph idx="1"/>
+          </p:nvPr>
+        </p:nvSpPr>
+        <p:spPr>
+          <a:xfrm>
+            <a:off x="0" y="1858613"/>
+            <a:ext cx="10058400" cy="4023360"/>
+          </a:xfrm>
+        </p:spPr>
+        <p:txBody>
+          <a:bodyPr>
+            <a:normAutofit/>
+          </a:bodyPr>
+          <a:lstStyle/>
+          <a:p>
+            <a:pPr lvl="1">
+              <a:buClrTx/>
+              <a:buFont typeface="Wingdings" panose="05000000000000000000" pitchFamily="2" charset="2"/>
+              <a:buChar char="§"/>
+            </a:pPr>
+            <a:r>
+              <a:rPr lang="en-US" sz="2000" b="1" dirty="0" smtClean="0">
+                <a:latin typeface="Times New Roman" panose="02020603050405020304" pitchFamily="18" charset="0"/>
+                <a:cs typeface="Times New Roman" panose="02020603050405020304" pitchFamily="18" charset="0"/>
+              </a:rPr>
+              <a:t>Article List</a:t>
+            </a:r>
+            <a:endParaRPr lang="en-US" sz="2000" b="1" dirty="0">
+              <a:latin typeface="Times New Roman" panose="02020603050405020304" pitchFamily="18" charset="0"/>
+              <a:cs typeface="Times New Roman" panose="02020603050405020304" pitchFamily="18" charset="0"/>
+            </a:endParaRPr>
+          </a:p>
+          <a:p>
+            <a:pPr lvl="3">
+              <a:buClrTx/>
+              <a:buFont typeface="Courier New" panose="02070309020205020404" pitchFamily="49" charset="0"/>
+              <a:buChar char="o"/>
+            </a:pPr>
+            <a:r>
+              <a:rPr lang="en-US" sz="1800" dirty="0" smtClean="0">
+                <a:latin typeface="Times New Roman" panose="02020603050405020304" pitchFamily="18" charset="0"/>
+                <a:cs typeface="Times New Roman" panose="02020603050405020304" pitchFamily="18" charset="0"/>
+              </a:rPr>
+              <a:t>Entertainments</a:t>
+            </a:r>
+            <a:r>
+              <a:rPr lang="en-US" sz="1800" dirty="0" smtClean="0">
+                <a:latin typeface="Times New Roman" panose="02020603050405020304" pitchFamily="18" charset="0"/>
+                <a:cs typeface="Times New Roman" panose="02020603050405020304" pitchFamily="18" charset="0"/>
+              </a:rPr>
+              <a:t> Article</a:t>
+            </a:r>
+          </a:p>
+        </p:txBody>
+      </p:sp>
+      <p:pic>
+        <p:nvPicPr>
+          <p:cNvPr id="4" name="Picture 3"/>
+          <p:cNvPicPr>
+            <a:picLocks noChangeAspect="1"/>
+          </p:cNvPicPr>
+          <p:nvPr/>
+        </p:nvPicPr>
+        <p:blipFill>
+          <a:blip r:embed="rId2"/>
+          <a:stretch>
+            <a:fillRect/>
+          </a:stretch>
+        </p:blipFill>
+        <p:spPr>
+          <a:xfrm>
+            <a:off x="2900082" y="1737360"/>
+            <a:ext cx="9291918" cy="4575233"/>
+          </a:xfrm>
+          <a:prstGeom prst="rect">
+            <a:avLst/>
+          </a:prstGeom>
+          <a:ln>
+            <a:solidFill>
+              <a:srgbClr val="FF0000"/>
+            </a:solidFill>
+          </a:ln>
+        </p:spPr>
+      </p:pic>
+    </p:spTree>
+    <p:extLst>
+      <p:ext uri="{BB962C8B-B14F-4D97-AF65-F5344CB8AC3E}">
+        <p14:creationId xmlns:p14="http://schemas.microsoft.com/office/powerpoint/2010/main" val="649292610"/>
+      </p:ext>
+    </p:extLst>
+  </p:cSld>
+  <p:clrMapOvr>
+    <a:masterClrMapping/>
+  </p:clrMapOvr>
+  <p:timing>
+    <p:tnLst>
+      <p:par>
+        <p:cTn id="1" dur="indefinite" restart="never" nodeType="tmRoot"/>
+      </p:par>
+    </p:tnLst>
+  </p:timing>
+</p:sld>
+</file>
+
+<file path=ppt/slides/slide7.xml><?xml version="1.0" encoding="utf-8"?>
+<p:sld xmlns:a="http://schemas.openxmlformats.org/drawingml/2006/main" xmlns:r="http://schemas.openxmlformats.org/officeDocument/2006/relationships" xmlns:p="http://schemas.openxmlformats.org/presentationml/2006/main">
+  <p:cSld>
+    <p:spTree>
+      <p:nvGrpSpPr>
+        <p:cNvPr id="1" name=""/>
+        <p:cNvGrpSpPr/>
+        <p:nvPr/>
+      </p:nvGrpSpPr>
+      <p:grpSpPr>
+        <a:xfrm>
+          <a:off x="0" y="0"/>
+          <a:ext cx="0" cy="0"/>
+          <a:chOff x="0" y="0"/>
+          <a:chExt cx="0" cy="0"/>
+        </a:xfrm>
+      </p:grpSpPr>
+      <p:sp>
+        <p:nvSpPr>
+          <p:cNvPr id="2" name="Title 1"/>
+          <p:cNvSpPr>
+            <a:spLocks noGrp="1"/>
+          </p:cNvSpPr>
+          <p:nvPr>
+            <p:ph type="title"/>
+          </p:nvPr>
+        </p:nvSpPr>
+        <p:spPr/>
+        <p:txBody>
+          <a:bodyPr/>
+          <a:lstStyle/>
+          <a:p>
+            <a:pPr marL="1028700" indent="-1028700">
+              <a:buFont typeface="+mj-lt"/>
+              <a:buAutoNum type="romanUcPeriod" startAt="3"/>
+            </a:pPr>
+            <a:r>
+              <a:rPr lang="en-US" b="1" dirty="0" smtClean="0">
+                <a:latin typeface="Times New Roman" panose="02020603050405020304" pitchFamily="18" charset="0"/>
+                <a:cs typeface="Times New Roman" panose="02020603050405020304" pitchFamily="18" charset="0"/>
+              </a:rPr>
+              <a:t>Project Features</a:t>
+            </a:r>
+            <a:endParaRPr lang="en-US" b="1" dirty="0">
+              <a:latin typeface="Times New Roman" panose="02020603050405020304" pitchFamily="18" charset="0"/>
+              <a:cs typeface="Times New Roman" panose="02020603050405020304" pitchFamily="18" charset="0"/>
+            </a:endParaRPr>
+          </a:p>
+        </p:txBody>
+      </p:sp>
+      <p:sp>
+        <p:nvSpPr>
+          <p:cNvPr id="3" name="Content Placeholder 2"/>
+          <p:cNvSpPr>
+            <a:spLocks noGrp="1"/>
+          </p:cNvSpPr>
+          <p:nvPr>
+            <p:ph idx="1"/>
+          </p:nvPr>
+        </p:nvSpPr>
+        <p:spPr>
+          <a:xfrm>
+            <a:off x="0" y="1858613"/>
+            <a:ext cx="10058400" cy="4023360"/>
+          </a:xfrm>
+        </p:spPr>
+        <p:txBody>
+          <a:bodyPr>
+            <a:normAutofit/>
+          </a:bodyPr>
+          <a:lstStyle/>
+          <a:p>
+            <a:pPr lvl="1">
+              <a:buClrTx/>
+              <a:buFont typeface="Wingdings" panose="05000000000000000000" pitchFamily="2" charset="2"/>
+              <a:buChar char="§"/>
+            </a:pPr>
+            <a:r>
+              <a:rPr lang="en-US" sz="2000" b="1" dirty="0" smtClean="0">
+                <a:latin typeface="Times New Roman" panose="02020603050405020304" pitchFamily="18" charset="0"/>
+                <a:cs typeface="Times New Roman" panose="02020603050405020304" pitchFamily="18" charset="0"/>
+              </a:rPr>
+              <a:t>Article List</a:t>
+            </a:r>
+            <a:endParaRPr lang="en-US" sz="2000" b="1" dirty="0">
+              <a:latin typeface="Times New Roman" panose="02020603050405020304" pitchFamily="18" charset="0"/>
+              <a:cs typeface="Times New Roman" panose="02020603050405020304" pitchFamily="18" charset="0"/>
+            </a:endParaRPr>
+          </a:p>
+          <a:p>
+            <a:pPr lvl="3">
+              <a:buClrTx/>
+              <a:buFont typeface="Courier New" panose="02070309020205020404" pitchFamily="49" charset="0"/>
+              <a:buChar char="o"/>
+            </a:pPr>
+            <a:r>
+              <a:rPr lang="en-US" sz="1800" dirty="0" smtClean="0">
+                <a:latin typeface="Times New Roman" panose="02020603050405020304" pitchFamily="18" charset="0"/>
+                <a:cs typeface="Times New Roman" panose="02020603050405020304" pitchFamily="18" charset="0"/>
+              </a:rPr>
+              <a:t>Sport Article</a:t>
+            </a:r>
+          </a:p>
+        </p:txBody>
+      </p:sp>
+      <p:pic>
+        <p:nvPicPr>
+          <p:cNvPr id="5" name="Picture 4"/>
+          <p:cNvPicPr>
+            <a:picLocks noChangeAspect="1"/>
+          </p:cNvPicPr>
+          <p:nvPr/>
+        </p:nvPicPr>
+        <p:blipFill>
+          <a:blip r:embed="rId2"/>
+          <a:stretch>
+            <a:fillRect/>
+          </a:stretch>
+        </p:blipFill>
+        <p:spPr>
+          <a:xfrm>
+            <a:off x="2886635" y="1750807"/>
+            <a:ext cx="9291918" cy="4575084"/>
+          </a:xfrm>
+          <a:prstGeom prst="rect">
+            <a:avLst/>
+          </a:prstGeom>
+          <a:ln>
+            <a:solidFill>
+              <a:srgbClr val="FF0000"/>
+            </a:solidFill>
+          </a:ln>
+        </p:spPr>
+      </p:pic>
+    </p:spTree>
+    <p:extLst>
+      <p:ext uri="{BB962C8B-B14F-4D97-AF65-F5344CB8AC3E}">
+        <p14:creationId xmlns:p14="http://schemas.microsoft.com/office/powerpoint/2010/main" val="932573771"/>
+      </p:ext>
+    </p:extLst>
+  </p:cSld>
+  <p:clrMapOvr>
+    <a:masterClrMapping/>
+  </p:clrMapOvr>
+  <p:timing>
+    <p:tnLst>
+      <p:par>
+        <p:cTn id="1" dur="indefinite" restart="never" nodeType="tmRoot"/>
+      </p:par>
+    </p:tnLst>
+  </p:timing>
+</p:sld>
+</file>
+
+<file path=ppt/slides/slide8.xml><?xml version="1.0" encoding="utf-8"?>
+<p:sld xmlns:a="http://schemas.openxmlformats.org/drawingml/2006/main" xmlns:r="http://schemas.openxmlformats.org/officeDocument/2006/relationships" xmlns:p="http://schemas.openxmlformats.org/presentationml/2006/main">
+  <p:cSld>
+    <p:spTree>
+      <p:nvGrpSpPr>
+        <p:cNvPr id="1" name=""/>
+        <p:cNvGrpSpPr/>
+        <p:nvPr/>
+      </p:nvGrpSpPr>
+      <p:grpSpPr>
+        <a:xfrm>
+          <a:off x="0" y="0"/>
+          <a:ext cx="0" cy="0"/>
+          <a:chOff x="0" y="0"/>
+          <a:chExt cx="0" cy="0"/>
+        </a:xfrm>
+      </p:grpSpPr>
+      <p:sp>
+        <p:nvSpPr>
+          <p:cNvPr id="2" name="Title 1"/>
+          <p:cNvSpPr>
+            <a:spLocks noGrp="1"/>
+          </p:cNvSpPr>
+          <p:nvPr>
+            <p:ph type="title"/>
+          </p:nvPr>
+        </p:nvSpPr>
+        <p:spPr/>
+        <p:txBody>
+          <a:bodyPr/>
+          <a:lstStyle/>
+          <a:p>
+            <a:pPr marL="1028700" indent="-1028700">
+              <a:buFont typeface="+mj-lt"/>
+              <a:buAutoNum type="romanUcPeriod" startAt="3"/>
+            </a:pPr>
+            <a:r>
+              <a:rPr lang="en-US" b="1" dirty="0" smtClean="0">
+                <a:latin typeface="Times New Roman" panose="02020603050405020304" pitchFamily="18" charset="0"/>
+                <a:cs typeface="Times New Roman" panose="02020603050405020304" pitchFamily="18" charset="0"/>
+              </a:rPr>
+              <a:t>Project Features</a:t>
+            </a:r>
+            <a:endParaRPr lang="en-US" b="1" dirty="0">
+              <a:latin typeface="Times New Roman" panose="02020603050405020304" pitchFamily="18" charset="0"/>
+              <a:cs typeface="Times New Roman" panose="02020603050405020304" pitchFamily="18" charset="0"/>
+            </a:endParaRPr>
+          </a:p>
+        </p:txBody>
+      </p:sp>
+      <p:sp>
+        <p:nvSpPr>
+          <p:cNvPr id="3" name="Content Placeholder 2"/>
+          <p:cNvSpPr>
+            <a:spLocks noGrp="1"/>
+          </p:cNvSpPr>
+          <p:nvPr>
+            <p:ph idx="1"/>
+          </p:nvPr>
+        </p:nvSpPr>
+        <p:spPr>
+          <a:xfrm>
+            <a:off x="0" y="1858613"/>
+            <a:ext cx="10058400" cy="4023360"/>
+          </a:xfrm>
+        </p:spPr>
+        <p:txBody>
+          <a:bodyPr>
+            <a:normAutofit/>
+          </a:bodyPr>
+          <a:lstStyle/>
+          <a:p>
+            <a:pPr lvl="1">
+              <a:buClrTx/>
+              <a:buFont typeface="Wingdings" panose="05000000000000000000" pitchFamily="2" charset="2"/>
+              <a:buChar char="§"/>
+            </a:pPr>
+            <a:r>
+              <a:rPr lang="en-US" sz="2000" b="1" dirty="0" smtClean="0">
+                <a:latin typeface="Times New Roman" panose="02020603050405020304" pitchFamily="18" charset="0"/>
+                <a:cs typeface="Times New Roman" panose="02020603050405020304" pitchFamily="18" charset="0"/>
+              </a:rPr>
+              <a:t>Article List</a:t>
+            </a:r>
+            <a:endParaRPr lang="en-US" sz="2000" b="1" dirty="0">
+              <a:latin typeface="Times New Roman" panose="02020603050405020304" pitchFamily="18" charset="0"/>
+              <a:cs typeface="Times New Roman" panose="02020603050405020304" pitchFamily="18" charset="0"/>
+            </a:endParaRPr>
+          </a:p>
+          <a:p>
+            <a:pPr lvl="3">
+              <a:buClrTx/>
+              <a:buFont typeface="Courier New" panose="02070309020205020404" pitchFamily="49" charset="0"/>
+              <a:buChar char="o"/>
+            </a:pPr>
+            <a:r>
+              <a:rPr lang="en-US" sz="1800" dirty="0" smtClean="0">
+                <a:latin typeface="Times New Roman" panose="02020603050405020304" pitchFamily="18" charset="0"/>
+                <a:cs typeface="Times New Roman" panose="02020603050405020304" pitchFamily="18" charset="0"/>
+              </a:rPr>
+              <a:t>Technology</a:t>
+            </a:r>
+            <a:r>
+              <a:rPr lang="en-US" sz="1800" dirty="0" smtClean="0">
+                <a:latin typeface="Times New Roman" panose="02020603050405020304" pitchFamily="18" charset="0"/>
+                <a:cs typeface="Times New Roman" panose="02020603050405020304" pitchFamily="18" charset="0"/>
+              </a:rPr>
+              <a:t> Article</a:t>
+            </a:r>
+          </a:p>
+        </p:txBody>
+      </p:sp>
+      <p:pic>
+        <p:nvPicPr>
+          <p:cNvPr id="4" name="Picture 3"/>
+          <p:cNvPicPr>
+            <a:picLocks noChangeAspect="1"/>
+          </p:cNvPicPr>
+          <p:nvPr/>
+        </p:nvPicPr>
+        <p:blipFill>
+          <a:blip r:embed="rId2"/>
+          <a:stretch>
+            <a:fillRect/>
+          </a:stretch>
+        </p:blipFill>
+        <p:spPr>
+          <a:xfrm>
+            <a:off x="2913529" y="1737360"/>
+            <a:ext cx="9265024" cy="4576464"/>
+          </a:xfrm>
+          <a:prstGeom prst="rect">
+            <a:avLst/>
+          </a:prstGeom>
+          <a:ln>
+            <a:solidFill>
+              <a:srgbClr val="FF0000"/>
+            </a:solidFill>
+          </a:ln>
+        </p:spPr>
+      </p:pic>
+    </p:spTree>
+    <p:extLst>
+      <p:ext uri="{BB962C8B-B14F-4D97-AF65-F5344CB8AC3E}">
+        <p14:creationId xmlns:p14="http://schemas.microsoft.com/office/powerpoint/2010/main" val="1566721596"/>
+      </p:ext>
+    </p:extLst>
+  </p:cSld>
+  <p:clrMapOvr>
+    <a:masterClrMapping/>
+  </p:clrMapOvr>
+  <p:timing>
+    <p:tnLst>
+      <p:par>
+        <p:cTn id="1" dur="indefinite" restart="never" nodeType="tmRoot"/>
+      </p:par>
+    </p:tnLst>
+  </p:timing>
+</p:sld>
+</file>
+
+<file path=ppt/slides/slide9.xml><?xml version="1.0" encoding="utf-8"?>
+<p:sld xmlns:a="http://schemas.openxmlformats.org/drawingml/2006/main" xmlns:r="http://schemas.openxmlformats.org/officeDocument/2006/relationships" xmlns:p="http://schemas.openxmlformats.org/presentationml/2006/main">
+  <p:cSld>
+    <p:spTree>
+      <p:nvGrpSpPr>
+        <p:cNvPr id="1" name=""/>
+        <p:cNvGrpSpPr/>
+        <p:nvPr/>
+      </p:nvGrpSpPr>
+      <p:grpSpPr>
+        <a:xfrm>
+          <a:off x="0" y="0"/>
+          <a:ext cx="0" cy="0"/>
+          <a:chOff x="0" y="0"/>
+          <a:chExt cx="0" cy="0"/>
+        </a:xfrm>
+      </p:grpSpPr>
+      <p:sp>
+        <p:nvSpPr>
+          <p:cNvPr id="2" name="Title 1"/>
+          <p:cNvSpPr>
+            <a:spLocks noGrp="1"/>
+          </p:cNvSpPr>
+          <p:nvPr>
+            <p:ph type="title"/>
+          </p:nvPr>
+        </p:nvSpPr>
+        <p:spPr/>
+        <p:txBody>
+          <a:bodyPr/>
+          <a:lstStyle/>
+          <a:p>
+            <a:pPr marL="1028700" indent="-1028700">
+              <a:buFont typeface="+mj-lt"/>
+              <a:buAutoNum type="romanUcPeriod" startAt="3"/>
+            </a:pPr>
+            <a:r>
+              <a:rPr lang="en-US" b="1" dirty="0" smtClean="0">
+                <a:latin typeface="Times New Roman" panose="02020603050405020304" pitchFamily="18" charset="0"/>
+                <a:cs typeface="Times New Roman" panose="02020603050405020304" pitchFamily="18" charset="0"/>
+              </a:rPr>
+              <a:t>Project Features</a:t>
+            </a:r>
+            <a:endParaRPr lang="en-US" b="1" dirty="0">
+              <a:latin typeface="Times New Roman" panose="02020603050405020304" pitchFamily="18" charset="0"/>
+              <a:cs typeface="Times New Roman" panose="02020603050405020304" pitchFamily="18" charset="0"/>
+            </a:endParaRPr>
+          </a:p>
+        </p:txBody>
+      </p:sp>
+      <p:sp>
+        <p:nvSpPr>
+          <p:cNvPr id="3" name="Content Placeholder 2"/>
+          <p:cNvSpPr>
+            <a:spLocks noGrp="1"/>
+          </p:cNvSpPr>
+          <p:nvPr>
+            <p:ph idx="1"/>
+          </p:nvPr>
+        </p:nvSpPr>
+        <p:spPr>
+          <a:xfrm>
+            <a:off x="0" y="1858613"/>
+            <a:ext cx="10058400" cy="4023360"/>
+          </a:xfrm>
+        </p:spPr>
+        <p:txBody>
+          <a:bodyPr>
+            <a:normAutofit/>
+          </a:bodyPr>
+          <a:lstStyle/>
+          <a:p>
+            <a:pPr lvl="1">
+              <a:buClrTx/>
+              <a:buFont typeface="Wingdings" panose="05000000000000000000" pitchFamily="2" charset="2"/>
+              <a:buChar char="§"/>
+            </a:pPr>
+            <a:r>
+              <a:rPr lang="en-US" sz="2000" b="1" dirty="0" smtClean="0">
+                <a:latin typeface="Times New Roman" panose="02020603050405020304" pitchFamily="18" charset="0"/>
+                <a:cs typeface="Times New Roman" panose="02020603050405020304" pitchFamily="18" charset="0"/>
+              </a:rPr>
+              <a:t>Article List</a:t>
+            </a:r>
+            <a:endParaRPr lang="en-US" sz="2000" b="1" dirty="0">
+              <a:latin typeface="Times New Roman" panose="02020603050405020304" pitchFamily="18" charset="0"/>
+              <a:cs typeface="Times New Roman" panose="02020603050405020304" pitchFamily="18" charset="0"/>
+            </a:endParaRPr>
+          </a:p>
+          <a:p>
+            <a:pPr lvl="3">
+              <a:buClrTx/>
+              <a:buFont typeface="Courier New" panose="02070309020205020404" pitchFamily="49" charset="0"/>
+              <a:buChar char="o"/>
+            </a:pPr>
+            <a:r>
+              <a:rPr lang="en-US" sz="1800" dirty="0" smtClean="0">
+                <a:latin typeface="Times New Roman" panose="02020603050405020304" pitchFamily="18" charset="0"/>
+                <a:cs typeface="Times New Roman" panose="02020603050405020304" pitchFamily="18" charset="0"/>
+              </a:rPr>
+              <a:t>Social Article</a:t>
+            </a:r>
+          </a:p>
+        </p:txBody>
+      </p:sp>
+      <p:pic>
+        <p:nvPicPr>
+          <p:cNvPr id="5" name="Picture 4"/>
+          <p:cNvPicPr>
+            <a:picLocks noChangeAspect="1"/>
+          </p:cNvPicPr>
+          <p:nvPr/>
+        </p:nvPicPr>
+        <p:blipFill>
+          <a:blip r:embed="rId2"/>
+          <a:stretch>
+            <a:fillRect/>
+          </a:stretch>
+        </p:blipFill>
+        <p:spPr>
+          <a:xfrm>
+            <a:off x="2926977" y="1750807"/>
+            <a:ext cx="9265023" cy="4571653"/>
+          </a:xfrm>
+          <a:prstGeom prst="rect">
+            <a:avLst/>
+          </a:prstGeom>
+          <a:ln>
+            <a:solidFill>
+              <a:srgbClr val="FF0000"/>
+            </a:solidFill>
+          </a:ln>
+        </p:spPr>
+      </p:pic>
+    </p:spTree>
+    <p:extLst>
+      <p:ext uri="{BB962C8B-B14F-4D97-AF65-F5344CB8AC3E}">
+        <p14:creationId xmlns:p14="http://schemas.microsoft.com/office/powerpoint/2010/main" val="1581307698"/>
       </p:ext>
     </p:extLst>
   </p:cSld>
